--- a/1. JavaScript Fundamental/Presentation Slides/1.pptx
+++ b/1. JavaScript Fundamental/Presentation Slides/1.pptx
@@ -1,56 +1,56 @@
 
 <file path=ppt/presentation.xml><?xml version="1.0" encoding="utf-8"?>
-<p:presentation xmlns:a="http://schemas.openxmlformats.org/drawingml/2006/main" xmlns:r="http://schemas.openxmlformats.org/officeDocument/2006/relationships" xmlns:p="http://schemas.openxmlformats.org/presentationml/2006/main" saveSubsetFonts="1">
+<p:presentation xmlns:a="http://schemas.openxmlformats.org/drawingml/2006/main" xmlns:r="http://schemas.openxmlformats.org/officeDocument/2006/relationships" xmlns:p="http://schemas.openxmlformats.org/presentationml/2006/main">
   <p:sldMasterIdLst>
     <p:sldMasterId id="2147483648" r:id="rId1"/>
   </p:sldMasterIdLst>
   <p:sldIdLst>
-    <p:sldId id="256" r:id="rId2"/>
-    <p:sldId id="264" r:id="rId3"/>
-    <p:sldId id="263" r:id="rId4"/>
-    <p:sldId id="257" r:id="rId5"/>
-    <p:sldId id="258" r:id="rId6"/>
-    <p:sldId id="259" r:id="rId7"/>
-    <p:sldId id="262" r:id="rId8"/>
-    <p:sldId id="260" r:id="rId9"/>
-    <p:sldId id="261" r:id="rId10"/>
-    <p:sldId id="265" r:id="rId11"/>
-    <p:sldId id="266" r:id="rId12"/>
-    <p:sldId id="267" r:id="rId13"/>
-    <p:sldId id="268" r:id="rId14"/>
-    <p:sldId id="269" r:id="rId15"/>
-    <p:sldId id="270" r:id="rId16"/>
-    <p:sldId id="271" r:id="rId17"/>
-    <p:sldId id="272" r:id="rId18"/>
-    <p:sldId id="273" r:id="rId19"/>
-    <p:sldId id="274" r:id="rId20"/>
-    <p:sldId id="275" r:id="rId21"/>
-    <p:sldId id="276" r:id="rId22"/>
-    <p:sldId id="277" r:id="rId23"/>
-    <p:sldId id="278" r:id="rId24"/>
-    <p:sldId id="279" r:id="rId25"/>
-    <p:sldId id="281" r:id="rId26"/>
-    <p:sldId id="280" r:id="rId27"/>
-    <p:sldId id="282" r:id="rId28"/>
-    <p:sldId id="283" r:id="rId29"/>
-    <p:sldId id="284" r:id="rId30"/>
-    <p:sldId id="285" r:id="rId31"/>
-    <p:sldId id="286" r:id="rId32"/>
-    <p:sldId id="287" r:id="rId33"/>
-    <p:sldId id="288" r:id="rId34"/>
-    <p:sldId id="291" r:id="rId35"/>
-    <p:sldId id="289" r:id="rId36"/>
-    <p:sldId id="292" r:id="rId37"/>
-    <p:sldId id="293" r:id="rId38"/>
-    <p:sldId id="294" r:id="rId39"/>
-    <p:sldId id="295" r:id="rId40"/>
-    <p:sldId id="297" r:id="rId41"/>
-    <p:sldId id="296" r:id="rId42"/>
-    <p:sldId id="298" r:id="rId43"/>
-    <p:sldId id="299" r:id="rId44"/>
-    <p:sldId id="300" r:id="rId45"/>
-    <p:sldId id="301" r:id="rId46"/>
-    <p:sldId id="304" r:id="rId47"/>
+    <p:sldId id="256" r:id="rId3"/>
+    <p:sldId id="264" r:id="rId4"/>
+    <p:sldId id="263" r:id="rId5"/>
+    <p:sldId id="257" r:id="rId6"/>
+    <p:sldId id="258" r:id="rId7"/>
+    <p:sldId id="259" r:id="rId8"/>
+    <p:sldId id="262" r:id="rId9"/>
+    <p:sldId id="260" r:id="rId10"/>
+    <p:sldId id="261" r:id="rId11"/>
+    <p:sldId id="265" r:id="rId12"/>
+    <p:sldId id="266" r:id="rId13"/>
+    <p:sldId id="267" r:id="rId14"/>
+    <p:sldId id="268" r:id="rId15"/>
+    <p:sldId id="269" r:id="rId16"/>
+    <p:sldId id="270" r:id="rId17"/>
+    <p:sldId id="271" r:id="rId18"/>
+    <p:sldId id="272" r:id="rId19"/>
+    <p:sldId id="273" r:id="rId20"/>
+    <p:sldId id="274" r:id="rId21"/>
+    <p:sldId id="275" r:id="rId22"/>
+    <p:sldId id="276" r:id="rId23"/>
+    <p:sldId id="277" r:id="rId24"/>
+    <p:sldId id="278" r:id="rId25"/>
+    <p:sldId id="279" r:id="rId26"/>
+    <p:sldId id="281" r:id="rId27"/>
+    <p:sldId id="280" r:id="rId28"/>
+    <p:sldId id="282" r:id="rId29"/>
+    <p:sldId id="283" r:id="rId30"/>
+    <p:sldId id="284" r:id="rId31"/>
+    <p:sldId id="285" r:id="rId32"/>
+    <p:sldId id="286" r:id="rId33"/>
+    <p:sldId id="287" r:id="rId34"/>
+    <p:sldId id="288" r:id="rId35"/>
+    <p:sldId id="291" r:id="rId36"/>
+    <p:sldId id="289" r:id="rId37"/>
+    <p:sldId id="292" r:id="rId38"/>
+    <p:sldId id="293" r:id="rId39"/>
+    <p:sldId id="294" r:id="rId40"/>
+    <p:sldId id="295" r:id="rId41"/>
+    <p:sldId id="297" r:id="rId42"/>
+    <p:sldId id="296" r:id="rId43"/>
+    <p:sldId id="298" r:id="rId44"/>
+    <p:sldId id="299" r:id="rId45"/>
+    <p:sldId id="300" r:id="rId46"/>
+    <p:sldId id="301" r:id="rId47"/>
+    <p:sldId id="304" r:id="rId48"/>
   </p:sldIdLst>
   <p:sldSz cx="9144000" cy="5143500" type="screen16x9"/>
   <p:notesSz cx="6858000" cy="9144000"/>
@@ -149,22 +149,6 @@
       </a:defRPr>
     </a:lvl9pPr>
   </p:defaultTextStyle>
-  <p:extLst>
-    <p:ext uri="{EFAFB233-063F-42B5-8137-9DF3F51BA10A}">
-      <p15:sldGuideLst xmlns:p15="http://schemas.microsoft.com/office/powerpoint/2012/main">
-        <p15:guide id="1" orient="horz" pos="1620">
-          <p15:clr>
-            <a:srgbClr val="A4A3A4"/>
-          </p15:clr>
-        </p15:guide>
-        <p15:guide id="2" pos="2880">
-          <p15:clr>
-            <a:srgbClr val="A4A3A4"/>
-          </p15:clr>
-        </p15:guide>
-      </p15:sldGuideLst>
-    </p:ext>
-  </p:extLst>
 </p:presentation>
 </file>
 
@@ -349,8 +333,6 @@
           <a:p>
             <a:fld id="{1D8BD707-D9CF-40AE-B4C6-C98DA3205C09}" type="datetimeFigureOut">
               <a:rPr lang="en-US" smtClean="0"/>
-              <a:pPr/>
-              <a:t>9/2/2022</a:t>
             </a:fld>
             <a:endParaRPr lang="en-US"/>
           </a:p>
@@ -392,8 +374,6 @@
           <a:p>
             <a:fld id="{B6F15528-21DE-4FAA-801E-634DDDAF4B2B}" type="slidenum">
               <a:rPr lang="en-US" smtClean="0"/>
-              <a:pPr/>
-              <a:t>‹#›</a:t>
             </a:fld>
             <a:endParaRPr lang="en-US"/>
           </a:p>
@@ -467,6 +447,7 @@
               <a:rPr lang="en-US" smtClean="0"/>
               <a:t>Click to edit Master text styles</a:t>
             </a:r>
+            <a:endParaRPr lang="en-US" smtClean="0"/>
           </a:p>
           <a:p>
             <a:pPr lvl="1"/>
@@ -474,6 +455,7 @@
               <a:rPr lang="en-US" smtClean="0"/>
               <a:t>Second level</a:t>
             </a:r>
+            <a:endParaRPr lang="en-US" smtClean="0"/>
           </a:p>
           <a:p>
             <a:pPr lvl="2"/>
@@ -481,6 +463,7 @@
               <a:rPr lang="en-US" smtClean="0"/>
               <a:t>Third level</a:t>
             </a:r>
+            <a:endParaRPr lang="en-US" smtClean="0"/>
           </a:p>
           <a:p>
             <a:pPr lvl="3"/>
@@ -488,6 +471,7 @@
               <a:rPr lang="en-US" smtClean="0"/>
               <a:t>Fourth level</a:t>
             </a:r>
+            <a:endParaRPr lang="en-US" smtClean="0"/>
           </a:p>
           <a:p>
             <a:pPr lvl="4"/>
@@ -516,8 +500,6 @@
           <a:p>
             <a:fld id="{1D8BD707-D9CF-40AE-B4C6-C98DA3205C09}" type="datetimeFigureOut">
               <a:rPr lang="en-US" smtClean="0"/>
-              <a:pPr/>
-              <a:t>9/2/2022</a:t>
             </a:fld>
             <a:endParaRPr lang="en-US"/>
           </a:p>
@@ -559,8 +541,6 @@
           <a:p>
             <a:fld id="{B6F15528-21DE-4FAA-801E-634DDDAF4B2B}" type="slidenum">
               <a:rPr lang="en-US" smtClean="0"/>
-              <a:pPr/>
-              <a:t>‹#›</a:t>
             </a:fld>
             <a:endParaRPr lang="en-US"/>
           </a:p>
@@ -644,6 +624,7 @@
               <a:rPr lang="en-US" smtClean="0"/>
               <a:t>Click to edit Master text styles</a:t>
             </a:r>
+            <a:endParaRPr lang="en-US" smtClean="0"/>
           </a:p>
           <a:p>
             <a:pPr lvl="1"/>
@@ -651,6 +632,7 @@
               <a:rPr lang="en-US" smtClean="0"/>
               <a:t>Second level</a:t>
             </a:r>
+            <a:endParaRPr lang="en-US" smtClean="0"/>
           </a:p>
           <a:p>
             <a:pPr lvl="2"/>
@@ -658,6 +640,7 @@
               <a:rPr lang="en-US" smtClean="0"/>
               <a:t>Third level</a:t>
             </a:r>
+            <a:endParaRPr lang="en-US" smtClean="0"/>
           </a:p>
           <a:p>
             <a:pPr lvl="3"/>
@@ -665,6 +648,7 @@
               <a:rPr lang="en-US" smtClean="0"/>
               <a:t>Fourth level</a:t>
             </a:r>
+            <a:endParaRPr lang="en-US" smtClean="0"/>
           </a:p>
           <a:p>
             <a:pPr lvl="4"/>
@@ -693,8 +677,6 @@
           <a:p>
             <a:fld id="{1D8BD707-D9CF-40AE-B4C6-C98DA3205C09}" type="datetimeFigureOut">
               <a:rPr lang="en-US" smtClean="0"/>
-              <a:pPr/>
-              <a:t>9/2/2022</a:t>
             </a:fld>
             <a:endParaRPr lang="en-US"/>
           </a:p>
@@ -736,8 +718,6 @@
           <a:p>
             <a:fld id="{B6F15528-21DE-4FAA-801E-634DDDAF4B2B}" type="slidenum">
               <a:rPr lang="en-US" smtClean="0"/>
-              <a:pPr/>
-              <a:t>‹#›</a:t>
             </a:fld>
             <a:endParaRPr lang="en-US"/>
           </a:p>
@@ -811,6 +791,7 @@
               <a:rPr lang="en-US" smtClean="0"/>
               <a:t>Click to edit Master text styles</a:t>
             </a:r>
+            <a:endParaRPr lang="en-US" smtClean="0"/>
           </a:p>
           <a:p>
             <a:pPr lvl="1"/>
@@ -818,6 +799,7 @@
               <a:rPr lang="en-US" smtClean="0"/>
               <a:t>Second level</a:t>
             </a:r>
+            <a:endParaRPr lang="en-US" smtClean="0"/>
           </a:p>
           <a:p>
             <a:pPr lvl="2"/>
@@ -825,6 +807,7 @@
               <a:rPr lang="en-US" smtClean="0"/>
               <a:t>Third level</a:t>
             </a:r>
+            <a:endParaRPr lang="en-US" smtClean="0"/>
           </a:p>
           <a:p>
             <a:pPr lvl="3"/>
@@ -832,6 +815,7 @@
               <a:rPr lang="en-US" smtClean="0"/>
               <a:t>Fourth level</a:t>
             </a:r>
+            <a:endParaRPr lang="en-US" smtClean="0"/>
           </a:p>
           <a:p>
             <a:pPr lvl="4"/>
@@ -860,8 +844,6 @@
           <a:p>
             <a:fld id="{1D8BD707-D9CF-40AE-B4C6-C98DA3205C09}" type="datetimeFigureOut">
               <a:rPr lang="en-US" smtClean="0"/>
-              <a:pPr/>
-              <a:t>9/2/2022</a:t>
             </a:fld>
             <a:endParaRPr lang="en-US"/>
           </a:p>
@@ -903,8 +885,6 @@
           <a:p>
             <a:fld id="{B6F15528-21DE-4FAA-801E-634DDDAF4B2B}" type="slidenum">
               <a:rPr lang="en-US" smtClean="0"/>
-              <a:pPr/>
-              <a:t>‹#›</a:t>
             </a:fld>
             <a:endParaRPr lang="en-US"/>
           </a:p>
@@ -1083,6 +1063,7 @@
               <a:rPr lang="en-US" smtClean="0"/>
               <a:t>Click to edit Master text styles</a:t>
             </a:r>
+            <a:endParaRPr lang="en-US" smtClean="0"/>
           </a:p>
         </p:txBody>
       </p:sp>
@@ -1103,8 +1084,6 @@
           <a:p>
             <a:fld id="{1D8BD707-D9CF-40AE-B4C6-C98DA3205C09}" type="datetimeFigureOut">
               <a:rPr lang="en-US" smtClean="0"/>
-              <a:pPr/>
-              <a:t>9/2/2022</a:t>
             </a:fld>
             <a:endParaRPr lang="en-US"/>
           </a:p>
@@ -1146,8 +1125,6 @@
           <a:p>
             <a:fld id="{B6F15528-21DE-4FAA-801E-634DDDAF4B2B}" type="slidenum">
               <a:rPr lang="en-US" smtClean="0"/>
-              <a:pPr/>
-              <a:t>‹#›</a:t>
             </a:fld>
             <a:endParaRPr lang="en-US"/>
           </a:p>
@@ -1254,6 +1231,7 @@
               <a:rPr lang="en-US" smtClean="0"/>
               <a:t>Click to edit Master text styles</a:t>
             </a:r>
+            <a:endParaRPr lang="en-US" smtClean="0"/>
           </a:p>
           <a:p>
             <a:pPr lvl="1"/>
@@ -1261,6 +1239,7 @@
               <a:rPr lang="en-US" smtClean="0"/>
               <a:t>Second level</a:t>
             </a:r>
+            <a:endParaRPr lang="en-US" smtClean="0"/>
           </a:p>
           <a:p>
             <a:pPr lvl="2"/>
@@ -1268,6 +1247,7 @@
               <a:rPr lang="en-US" smtClean="0"/>
               <a:t>Third level</a:t>
             </a:r>
+            <a:endParaRPr lang="en-US" smtClean="0"/>
           </a:p>
           <a:p>
             <a:pPr lvl="3"/>
@@ -1275,6 +1255,7 @@
               <a:rPr lang="en-US" smtClean="0"/>
               <a:t>Fourth level</a:t>
             </a:r>
+            <a:endParaRPr lang="en-US" smtClean="0"/>
           </a:p>
           <a:p>
             <a:pPr lvl="4"/>
@@ -1339,6 +1320,7 @@
               <a:rPr lang="en-US" smtClean="0"/>
               <a:t>Click to edit Master text styles</a:t>
             </a:r>
+            <a:endParaRPr lang="en-US" smtClean="0"/>
           </a:p>
           <a:p>
             <a:pPr lvl="1"/>
@@ -1346,6 +1328,7 @@
               <a:rPr lang="en-US" smtClean="0"/>
               <a:t>Second level</a:t>
             </a:r>
+            <a:endParaRPr lang="en-US" smtClean="0"/>
           </a:p>
           <a:p>
             <a:pPr lvl="2"/>
@@ -1353,6 +1336,7 @@
               <a:rPr lang="en-US" smtClean="0"/>
               <a:t>Third level</a:t>
             </a:r>
+            <a:endParaRPr lang="en-US" smtClean="0"/>
           </a:p>
           <a:p>
             <a:pPr lvl="3"/>
@@ -1360,6 +1344,7 @@
               <a:rPr lang="en-US" smtClean="0"/>
               <a:t>Fourth level</a:t>
             </a:r>
+            <a:endParaRPr lang="en-US" smtClean="0"/>
           </a:p>
           <a:p>
             <a:pPr lvl="4"/>
@@ -1388,8 +1373,6 @@
           <a:p>
             <a:fld id="{1D8BD707-D9CF-40AE-B4C6-C98DA3205C09}" type="datetimeFigureOut">
               <a:rPr lang="en-US" smtClean="0"/>
-              <a:pPr/>
-              <a:t>9/2/2022</a:t>
             </a:fld>
             <a:endParaRPr lang="en-US"/>
           </a:p>
@@ -1431,8 +1414,6 @@
           <a:p>
             <a:fld id="{B6F15528-21DE-4FAA-801E-634DDDAF4B2B}" type="slidenum">
               <a:rPr lang="en-US" smtClean="0"/>
-              <a:pPr/>
-              <a:t>‹#›</a:t>
             </a:fld>
             <a:endParaRPr lang="en-US"/>
           </a:p>
@@ -1552,6 +1533,7 @@
               <a:rPr lang="en-US" smtClean="0"/>
               <a:t>Click to edit Master text styles</a:t>
             </a:r>
+            <a:endParaRPr lang="en-US" smtClean="0"/>
           </a:p>
         </p:txBody>
       </p:sp>
@@ -1608,6 +1590,7 @@
               <a:rPr lang="en-US" smtClean="0"/>
               <a:t>Click to edit Master text styles</a:t>
             </a:r>
+            <a:endParaRPr lang="en-US" smtClean="0"/>
           </a:p>
           <a:p>
             <a:pPr lvl="1"/>
@@ -1615,6 +1598,7 @@
               <a:rPr lang="en-US" smtClean="0"/>
               <a:t>Second level</a:t>
             </a:r>
+            <a:endParaRPr lang="en-US" smtClean="0"/>
           </a:p>
           <a:p>
             <a:pPr lvl="2"/>
@@ -1622,6 +1606,7 @@
               <a:rPr lang="en-US" smtClean="0"/>
               <a:t>Third level</a:t>
             </a:r>
+            <a:endParaRPr lang="en-US" smtClean="0"/>
           </a:p>
           <a:p>
             <a:pPr lvl="3"/>
@@ -1629,6 +1614,7 @@
               <a:rPr lang="en-US" smtClean="0"/>
               <a:t>Fourth level</a:t>
             </a:r>
+            <a:endParaRPr lang="en-US" smtClean="0"/>
           </a:p>
           <a:p>
             <a:pPr lvl="4"/>
@@ -1702,6 +1688,7 @@
               <a:rPr lang="en-US" smtClean="0"/>
               <a:t>Click to edit Master text styles</a:t>
             </a:r>
+            <a:endParaRPr lang="en-US" smtClean="0"/>
           </a:p>
         </p:txBody>
       </p:sp>
@@ -1758,6 +1745,7 @@
               <a:rPr lang="en-US" smtClean="0"/>
               <a:t>Click to edit Master text styles</a:t>
             </a:r>
+            <a:endParaRPr lang="en-US" smtClean="0"/>
           </a:p>
           <a:p>
             <a:pPr lvl="1"/>
@@ -1765,6 +1753,7 @@
               <a:rPr lang="en-US" smtClean="0"/>
               <a:t>Second level</a:t>
             </a:r>
+            <a:endParaRPr lang="en-US" smtClean="0"/>
           </a:p>
           <a:p>
             <a:pPr lvl="2"/>
@@ -1772,6 +1761,7 @@
               <a:rPr lang="en-US" smtClean="0"/>
               <a:t>Third level</a:t>
             </a:r>
+            <a:endParaRPr lang="en-US" smtClean="0"/>
           </a:p>
           <a:p>
             <a:pPr lvl="3"/>
@@ -1779,6 +1769,7 @@
               <a:rPr lang="en-US" smtClean="0"/>
               <a:t>Fourth level</a:t>
             </a:r>
+            <a:endParaRPr lang="en-US" smtClean="0"/>
           </a:p>
           <a:p>
             <a:pPr lvl="4"/>
@@ -1807,8 +1798,6 @@
           <a:p>
             <a:fld id="{1D8BD707-D9CF-40AE-B4C6-C98DA3205C09}" type="datetimeFigureOut">
               <a:rPr lang="en-US" smtClean="0"/>
-              <a:pPr/>
-              <a:t>9/2/2022</a:t>
             </a:fld>
             <a:endParaRPr lang="en-US"/>
           </a:p>
@@ -1850,8 +1839,6 @@
           <a:p>
             <a:fld id="{B6F15528-21DE-4FAA-801E-634DDDAF4B2B}" type="slidenum">
               <a:rPr lang="en-US" smtClean="0"/>
-              <a:pPr/>
-              <a:t>‹#›</a:t>
             </a:fld>
             <a:endParaRPr lang="en-US"/>
           </a:p>
@@ -1922,8 +1909,6 @@
           <a:p>
             <a:fld id="{1D8BD707-D9CF-40AE-B4C6-C98DA3205C09}" type="datetimeFigureOut">
               <a:rPr lang="en-US" smtClean="0"/>
-              <a:pPr/>
-              <a:t>9/2/2022</a:t>
             </a:fld>
             <a:endParaRPr lang="en-US"/>
           </a:p>
@@ -1965,8 +1950,6 @@
           <a:p>
             <a:fld id="{B6F15528-21DE-4FAA-801E-634DDDAF4B2B}" type="slidenum">
               <a:rPr lang="en-US" smtClean="0"/>
-              <a:pPr/>
-              <a:t>‹#›</a:t>
             </a:fld>
             <a:endParaRPr lang="en-US"/>
           </a:p>
@@ -2014,8 +1997,6 @@
           <a:p>
             <a:fld id="{1D8BD707-D9CF-40AE-B4C6-C98DA3205C09}" type="datetimeFigureOut">
               <a:rPr lang="en-US" smtClean="0"/>
-              <a:pPr/>
-              <a:t>9/2/2022</a:t>
             </a:fld>
             <a:endParaRPr lang="en-US"/>
           </a:p>
@@ -2057,8 +2038,6 @@
           <a:p>
             <a:fld id="{B6F15528-21DE-4FAA-801E-634DDDAF4B2B}" type="slidenum">
               <a:rPr lang="en-US" smtClean="0"/>
-              <a:pPr/>
-              <a:t>‹#›</a:t>
             </a:fld>
             <a:endParaRPr lang="en-US"/>
           </a:p>
@@ -2174,6 +2153,7 @@
               <a:rPr lang="en-US" smtClean="0"/>
               <a:t>Click to edit Master text styles</a:t>
             </a:r>
+            <a:endParaRPr lang="en-US" smtClean="0"/>
           </a:p>
           <a:p>
             <a:pPr lvl="1"/>
@@ -2181,6 +2161,7 @@
               <a:rPr lang="en-US" smtClean="0"/>
               <a:t>Second level</a:t>
             </a:r>
+            <a:endParaRPr lang="en-US" smtClean="0"/>
           </a:p>
           <a:p>
             <a:pPr lvl="2"/>
@@ -2188,6 +2169,7 @@
               <a:rPr lang="en-US" smtClean="0"/>
               <a:t>Third level</a:t>
             </a:r>
+            <a:endParaRPr lang="en-US" smtClean="0"/>
           </a:p>
           <a:p>
             <a:pPr lvl="3"/>
@@ -2195,6 +2177,7 @@
               <a:rPr lang="en-US" smtClean="0"/>
               <a:t>Fourth level</a:t>
             </a:r>
+            <a:endParaRPr lang="en-US" smtClean="0"/>
           </a:p>
           <a:p>
             <a:pPr lvl="4"/>
@@ -2268,6 +2251,7 @@
               <a:rPr lang="en-US" smtClean="0"/>
               <a:t>Click to edit Master text styles</a:t>
             </a:r>
+            <a:endParaRPr lang="en-US" smtClean="0"/>
           </a:p>
         </p:txBody>
       </p:sp>
@@ -2288,8 +2272,6 @@
           <a:p>
             <a:fld id="{1D8BD707-D9CF-40AE-B4C6-C98DA3205C09}" type="datetimeFigureOut">
               <a:rPr lang="en-US" smtClean="0"/>
-              <a:pPr/>
-              <a:t>9/2/2022</a:t>
             </a:fld>
             <a:endParaRPr lang="en-US"/>
           </a:p>
@@ -2331,8 +2313,6 @@
           <a:p>
             <a:fld id="{B6F15528-21DE-4FAA-801E-634DDDAF4B2B}" type="slidenum">
               <a:rPr lang="en-US" smtClean="0"/>
-              <a:pPr/>
-              <a:t>‹#›</a:t>
             </a:fld>
             <a:endParaRPr lang="en-US"/>
           </a:p>
@@ -2518,6 +2498,7 @@
               <a:rPr lang="en-US" smtClean="0"/>
               <a:t>Click to edit Master text styles</a:t>
             </a:r>
+            <a:endParaRPr lang="en-US" smtClean="0"/>
           </a:p>
         </p:txBody>
       </p:sp>
@@ -2538,8 +2519,6 @@
           <a:p>
             <a:fld id="{1D8BD707-D9CF-40AE-B4C6-C98DA3205C09}" type="datetimeFigureOut">
               <a:rPr lang="en-US" smtClean="0"/>
-              <a:pPr/>
-              <a:t>9/2/2022</a:t>
             </a:fld>
             <a:endParaRPr lang="en-US"/>
           </a:p>
@@ -2581,8 +2560,6 @@
           <a:p>
             <a:fld id="{B6F15528-21DE-4FAA-801E-634DDDAF4B2B}" type="slidenum">
               <a:rPr lang="en-US" smtClean="0"/>
-              <a:pPr/>
-              <a:t>‹#›</a:t>
             </a:fld>
             <a:endParaRPr lang="en-US"/>
           </a:p>
@@ -2602,7 +2579,7 @@
     <p:bg>
       <p:bgPr>
         <a:blipFill dpi="0" rotWithShape="1">
-          <a:blip r:embed="rId13">
+          <a:blip r:embed="rId12">
             <a:lum/>
           </a:blip>
           <a:srcRect/>
@@ -2690,6 +2667,7 @@
               <a:rPr lang="en-US" smtClean="0"/>
               <a:t>Click to edit Master text styles</a:t>
             </a:r>
+            <a:endParaRPr lang="en-US" smtClean="0"/>
           </a:p>
           <a:p>
             <a:pPr lvl="1"/>
@@ -2697,6 +2675,7 @@
               <a:rPr lang="en-US" smtClean="0"/>
               <a:t>Second level</a:t>
             </a:r>
+            <a:endParaRPr lang="en-US" smtClean="0"/>
           </a:p>
           <a:p>
             <a:pPr lvl="2"/>
@@ -2704,6 +2683,7 @@
               <a:rPr lang="en-US" smtClean="0"/>
               <a:t>Third level</a:t>
             </a:r>
+            <a:endParaRPr lang="en-US" smtClean="0"/>
           </a:p>
           <a:p>
             <a:pPr lvl="3"/>
@@ -2711,6 +2691,7 @@
               <a:rPr lang="en-US" smtClean="0"/>
               <a:t>Fourth level</a:t>
             </a:r>
+            <a:endParaRPr lang="en-US" smtClean="0"/>
           </a:p>
           <a:p>
             <a:pPr lvl="4"/>
@@ -2757,8 +2738,6 @@
           <a:p>
             <a:fld id="{1D8BD707-D9CF-40AE-B4C6-C98DA3205C09}" type="datetimeFigureOut">
               <a:rPr lang="en-US" smtClean="0"/>
-              <a:pPr/>
-              <a:t>9/2/2022</a:t>
             </a:fld>
             <a:endParaRPr lang="en-US"/>
           </a:p>
@@ -2836,8 +2815,6 @@
           <a:p>
             <a:fld id="{B6F15528-21DE-4FAA-801E-634DDDAF4B2B}" type="slidenum">
               <a:rPr lang="en-US" smtClean="0"/>
-              <a:pPr/>
-              <a:t>‹#›</a:t>
             </a:fld>
             <a:endParaRPr lang="en-US"/>
           </a:p>
@@ -2881,7 +2858,7 @@
         <a:spcBef>
           <a:spcPct val="20000"/>
         </a:spcBef>
-        <a:buFont typeface="Arial" pitchFamily="34" charset="0"/>
+        <a:buFont typeface="Arial" panose="020B0604020202090204" pitchFamily="34" charset="0"/>
         <a:buChar char="•"/>
         <a:defRPr sz="3200" kern="1200">
           <a:solidFill>
@@ -2896,7 +2873,7 @@
         <a:spcBef>
           <a:spcPct val="20000"/>
         </a:spcBef>
-        <a:buFont typeface="Arial" pitchFamily="34" charset="0"/>
+        <a:buFont typeface="Arial" panose="020B0604020202090204" pitchFamily="34" charset="0"/>
         <a:buChar char="–"/>
         <a:defRPr sz="2800" kern="1200">
           <a:solidFill>
@@ -2911,7 +2888,7 @@
         <a:spcBef>
           <a:spcPct val="20000"/>
         </a:spcBef>
-        <a:buFont typeface="Arial" pitchFamily="34" charset="0"/>
+        <a:buFont typeface="Arial" panose="020B0604020202090204" pitchFamily="34" charset="0"/>
         <a:buChar char="•"/>
         <a:defRPr sz="2400" kern="1200">
           <a:solidFill>
@@ -2926,7 +2903,7 @@
         <a:spcBef>
           <a:spcPct val="20000"/>
         </a:spcBef>
-        <a:buFont typeface="Arial" pitchFamily="34" charset="0"/>
+        <a:buFont typeface="Arial" panose="020B0604020202090204" pitchFamily="34" charset="0"/>
         <a:buChar char="–"/>
         <a:defRPr sz="2000" kern="1200">
           <a:solidFill>
@@ -2941,7 +2918,7 @@
         <a:spcBef>
           <a:spcPct val="20000"/>
         </a:spcBef>
-        <a:buFont typeface="Arial" pitchFamily="34" charset="0"/>
+        <a:buFont typeface="Arial" panose="020B0604020202090204" pitchFamily="34" charset="0"/>
         <a:buChar char="»"/>
         <a:defRPr sz="2000" kern="1200">
           <a:solidFill>
@@ -2956,7 +2933,7 @@
         <a:spcBef>
           <a:spcPct val="20000"/>
         </a:spcBef>
-        <a:buFont typeface="Arial" pitchFamily="34" charset="0"/>
+        <a:buFont typeface="Arial" panose="020B0604020202090204" pitchFamily="34" charset="0"/>
         <a:buChar char="•"/>
         <a:defRPr sz="2000" kern="1200">
           <a:solidFill>
@@ -2971,7 +2948,7 @@
         <a:spcBef>
           <a:spcPct val="20000"/>
         </a:spcBef>
-        <a:buFont typeface="Arial" pitchFamily="34" charset="0"/>
+        <a:buFont typeface="Arial" panose="020B0604020202090204" pitchFamily="34" charset="0"/>
         <a:buChar char="•"/>
         <a:defRPr sz="2000" kern="1200">
           <a:solidFill>
@@ -2986,7 +2963,7 @@
         <a:spcBef>
           <a:spcPct val="20000"/>
         </a:spcBef>
-        <a:buFont typeface="Arial" pitchFamily="34" charset="0"/>
+        <a:buFont typeface="Arial" panose="020B0604020202090204" pitchFamily="34" charset="0"/>
         <a:buChar char="•"/>
         <a:defRPr sz="2000" kern="1200">
           <a:solidFill>
@@ -3001,7 +2978,7 @@
         <a:spcBef>
           <a:spcPct val="20000"/>
         </a:spcBef>
-        <a:buFont typeface="Arial" pitchFamily="34" charset="0"/>
+        <a:buFont typeface="Arial" panose="020B0604020202090204" pitchFamily="34" charset="0"/>
         <a:buChar char="•"/>
         <a:defRPr sz="2000" kern="1200">
           <a:solidFill>
@@ -3172,7 +3149,7 @@
           <p:nvPr/>
         </p:nvPicPr>
         <p:blipFill>
-          <a:blip r:embed="rId2">
+          <a:blip r:embed="rId1">
             <a:extLst>
               <a:ext uri="{28A0092B-C50C-407E-A947-70E740481C1C}">
                 <a14:useLocalDpi xmlns:a14="http://schemas.microsoft.com/office/drawing/2010/main" val="0"/>
@@ -3205,11 +3182,6 @@
         </p:spPr>
       </p:pic>
     </p:spTree>
-    <p:extLst>
-      <p:ext uri="{BB962C8B-B14F-4D97-AF65-F5344CB8AC3E}">
-        <p14:creationId xmlns:p14="http://schemas.microsoft.com/office/powerpoint/2010/main" val="2932391620"/>
-      </p:ext>
-    </p:extLst>
   </p:cSld>
   <p:clrMapOvr>
     <a:masterClrMapping/>
@@ -3269,6 +3241,9 @@
               </a:rPr>
               <a:t>ES6 Syntax </a:t>
             </a:r>
+            <a:endParaRPr lang="en-US" sz="2800" dirty="0">
+              <a:latin typeface="Bahnschrift SemiBold Condensed" pitchFamily="34" charset="0"/>
+            </a:endParaRPr>
           </a:p>
         </p:txBody>
       </p:sp>
@@ -3312,6 +3287,9 @@
               </a:rPr>
               <a:t>different</a:t>
             </a:r>
+            <a:endParaRPr lang="en-US" dirty="0" smtClean="0">
+              <a:latin typeface="Bahnschrift Light Condensed" pitchFamily="34" charset="0"/>
+            </a:endParaRPr>
           </a:p>
           <a:p>
             <a:r>
@@ -3333,11 +3311,6 @@
         </p:txBody>
       </p:sp>
     </p:spTree>
-    <p:extLst>
-      <p:ext uri="{BB962C8B-B14F-4D97-AF65-F5344CB8AC3E}">
-        <p14:creationId xmlns:p14="http://schemas.microsoft.com/office/powerpoint/2010/main" val="3131434338"/>
-      </p:ext>
-    </p:extLst>
   </p:cSld>
   <p:clrMapOvr>
     <a:masterClrMapping/>
@@ -3404,14 +3377,14 @@
               <a:t>Mode – </a:t>
             </a:r>
             <a:r>
-              <a:rPr lang="bn-IN" sz="2800" b="1" dirty="0" smtClean="0">
+              <a:rPr lang="en-US" sz="2800" b="1" dirty="0" smtClean="0">
                 <a:latin typeface="Hind Siliguri" pitchFamily="2" charset="0"/>
                 <a:cs typeface="Hind Siliguri" pitchFamily="2" charset="0"/>
               </a:rPr>
               <a:t>পুলিশ</a:t>
             </a:r>
             <a:r>
-              <a:rPr lang="bn-IN" sz="2800" dirty="0" smtClean="0">
+              <a:rPr lang="en-US" sz="2800" dirty="0" smtClean="0">
                 <a:latin typeface="Bahnschrift SemiBold Condensed" pitchFamily="34" charset="0"/>
               </a:rPr>
               <a:t> </a:t>
@@ -3445,14 +3418,14 @@
           <a:lstStyle/>
           <a:p>
             <a:r>
-              <a:rPr lang="bn-IN" b="1" dirty="0" smtClean="0">
+              <a:rPr lang="en-US" b="1" dirty="0" smtClean="0">
                 <a:latin typeface="Hind Siliguri" pitchFamily="2" charset="0"/>
                 <a:cs typeface="Hind Siliguri" pitchFamily="2" charset="0"/>
               </a:rPr>
               <a:t>পুলিশঃ  </a:t>
             </a:r>
             <a:r>
-              <a:rPr lang="bn-IN" dirty="0" smtClean="0">
+              <a:rPr lang="en-US" dirty="0" smtClean="0">
                 <a:latin typeface="Hind Siliguri" pitchFamily="2" charset="0"/>
                 <a:cs typeface="Hind Siliguri" pitchFamily="2" charset="0"/>
               </a:rPr>
@@ -3465,7 +3438,7 @@
           </a:p>
           <a:p>
             <a:pPr marL="285750" indent="-285750">
-              <a:buFont typeface="Arial" pitchFamily="34" charset="0"/>
+              <a:buFont typeface="Arial" panose="020B0604020202090204" pitchFamily="34" charset="0"/>
               <a:buChar char="•"/>
             </a:pPr>
             <a:r>
@@ -3474,10 +3447,13 @@
               </a:rPr>
               <a:t>Removes some of the JavaScript silent errors by changing them to throw errors.</a:t>
             </a:r>
+            <a:endParaRPr lang="en-US" dirty="0">
+              <a:latin typeface="Bahnschrift Light Condensed" pitchFamily="34" charset="0"/>
+            </a:endParaRPr>
           </a:p>
           <a:p>
             <a:pPr marL="285750" indent="-285750">
-              <a:buFont typeface="Arial" pitchFamily="34" charset="0"/>
+              <a:buFont typeface="Arial" panose="020B0604020202090204" pitchFamily="34" charset="0"/>
               <a:buChar char="•"/>
             </a:pPr>
             <a:r>
@@ -3486,10 +3462,13 @@
               </a:rPr>
               <a:t>Fixes the mistakes, That is difficult for JS Engine to overcome </a:t>
             </a:r>
+            <a:endParaRPr lang="en-US" dirty="0">
+              <a:latin typeface="Bahnschrift Light Condensed" pitchFamily="34" charset="0"/>
+            </a:endParaRPr>
           </a:p>
           <a:p>
             <a:pPr marL="285750" indent="-285750">
-              <a:buFont typeface="Arial" pitchFamily="34" charset="0"/>
+              <a:buFont typeface="Arial" panose="020B0604020202090204" pitchFamily="34" charset="0"/>
               <a:buChar char="•"/>
             </a:pPr>
             <a:endParaRPr lang="en-US" dirty="0">
@@ -3507,7 +3486,7 @@
           <p:nvPr/>
         </p:nvPicPr>
         <p:blipFill>
-          <a:blip r:embed="rId2">
+          <a:blip r:embed="rId1">
             <a:extLst>
               <a:ext uri="{28A0092B-C50C-407E-A947-70E740481C1C}">
                 <a14:useLocalDpi xmlns:a14="http://schemas.microsoft.com/office/drawing/2010/main" val="0"/>
@@ -3580,23 +3559,27 @@
           <a:lstStyle/>
           <a:p>
             <a:r>
-              <a:rPr lang="bn-IN" b="1" dirty="0" smtClean="0">
+              <a:rPr lang="en-US" b="1" dirty="0" smtClean="0">
                 <a:latin typeface="Hind Siliguri" pitchFamily="2" charset="0"/>
                 <a:cs typeface="Hind Siliguri" pitchFamily="2" charset="0"/>
               </a:rPr>
               <a:t>পুলিশঃ  </a:t>
             </a:r>
             <a:r>
-              <a:rPr lang="bn-IN" dirty="0" smtClean="0">
+              <a:rPr lang="en-US" dirty="0" smtClean="0">
                 <a:latin typeface="Hind Siliguri" pitchFamily="2" charset="0"/>
                 <a:cs typeface="Hind Siliguri" pitchFamily="2" charset="0"/>
               </a:rPr>
               <a:t>চুরি করলে আপনাকে দমন করবে  </a:t>
             </a:r>
+            <a:endParaRPr lang="en-US" dirty="0" smtClean="0">
+              <a:latin typeface="Hind Siliguri" pitchFamily="2" charset="0"/>
+              <a:cs typeface="Hind Siliguri" pitchFamily="2" charset="0"/>
+            </a:endParaRPr>
           </a:p>
           <a:p>
             <a:pPr marL="285750" indent="-285750">
-              <a:buFont typeface="Arial" pitchFamily="34" charset="0"/>
+              <a:buFont typeface="Arial" panose="020B0604020202090204" pitchFamily="34" charset="0"/>
               <a:buChar char="•"/>
             </a:pPr>
             <a:r>
@@ -3605,15 +3588,13 @@
               </a:rPr>
               <a:t>Preventing you from using undeclared variables</a:t>
             </a:r>
+            <a:endParaRPr lang="en-US" dirty="0">
+              <a:latin typeface="Bahnschrift Light Condensed" pitchFamily="34" charset="0"/>
+            </a:endParaRPr>
           </a:p>
         </p:txBody>
       </p:sp>
     </p:spTree>
-    <p:extLst>
-      <p:ext uri="{BB962C8B-B14F-4D97-AF65-F5344CB8AC3E}">
-        <p14:creationId xmlns:p14="http://schemas.microsoft.com/office/powerpoint/2010/main" val="906560588"/>
-      </p:ext>
-    </p:extLst>
   </p:cSld>
   <p:clrMapOvr>
     <a:masterClrMapping/>
@@ -3989,6 +3970,9 @@
               </a:rPr>
               <a:t>ES6 Spread Operator</a:t>
             </a:r>
+            <a:endParaRPr lang="en-US" sz="2800" dirty="0">
+              <a:latin typeface="Bahnschrift SemiBold Condensed" pitchFamily="34" charset="0"/>
+            </a:endParaRPr>
           </a:p>
         </p:txBody>
       </p:sp>
@@ -4015,7 +3999,7 @@
           <a:lstStyle/>
           <a:p>
             <a:pPr marL="285750" indent="-285750">
-              <a:buFont typeface="Arial" pitchFamily="34" charset="0"/>
+              <a:buFont typeface="Arial" panose="020B0604020202090204" pitchFamily="34" charset="0"/>
               <a:buChar char="•"/>
             </a:pPr>
             <a:r>
@@ -4024,36 +4008,26 @@
               </a:rPr>
               <a:t> three dots (...).</a:t>
             </a:r>
-            <a:endParaRPr lang="bn-IN" b="1" dirty="0" smtClean="0">
+            <a:endParaRPr lang="en-US" b="1" dirty="0" smtClean="0">
               <a:latin typeface="Bahnschrift Light Condensed" pitchFamily="34" charset="0"/>
             </a:endParaRPr>
           </a:p>
           <a:p>
             <a:pPr marL="285750" indent="-285750">
-              <a:buFont typeface="Arial" pitchFamily="34" charset="0"/>
+              <a:buFont typeface="Arial" panose="020B0604020202090204" pitchFamily="34" charset="0"/>
               <a:buChar char="•"/>
             </a:pPr>
-            <a:r>
-              <a:rPr lang="bn-IN" dirty="0" smtClean="0">
-                <a:latin typeface="Hind Siliguri" pitchFamily="2" charset="0"/>
-                <a:cs typeface="Hind Siliguri" pitchFamily="2" charset="0"/>
-              </a:rPr>
-              <a:t> </a:t>
-            </a:r>
             <a:r>
               <a:rPr lang="en-US" dirty="0" smtClean="0">
                 <a:latin typeface="Hind Siliguri" pitchFamily="2" charset="0"/>
                 <a:cs typeface="Hind Siliguri" pitchFamily="2" charset="0"/>
               </a:rPr>
-              <a:t>Array </a:t>
-            </a:r>
-            <a:r>
-              <a:rPr lang="bn-IN" dirty="0" smtClean="0">
-                <a:latin typeface="Hind Siliguri" pitchFamily="2" charset="0"/>
-                <a:cs typeface="Hind Siliguri" pitchFamily="2" charset="0"/>
-              </a:rPr>
-              <a:t>কে প্রশস্ত করে নতুন ভেলু যোগ করে </a:t>
-            </a:r>
+              <a:t> Array কে প্রশস্ত করে নতুন ভেলু যোগ করে </a:t>
+            </a:r>
+            <a:endParaRPr lang="en-US" dirty="0" smtClean="0">
+              <a:latin typeface="Hind Siliguri" pitchFamily="2" charset="0"/>
+              <a:cs typeface="Hind Siliguri" pitchFamily="2" charset="0"/>
+            </a:endParaRPr>
           </a:p>
           <a:p>
             <a:endParaRPr lang="en-US" dirty="0" smtClean="0">
@@ -4071,7 +4045,7 @@
           <p:nvPr/>
         </p:nvPicPr>
         <p:blipFill>
-          <a:blip r:embed="rId2">
+          <a:blip r:embed="rId1">
             <a:extLst>
               <a:ext uri="{28A0092B-C50C-407E-A947-70E740481C1C}">
                 <a14:useLocalDpi xmlns:a14="http://schemas.microsoft.com/office/drawing/2010/main" val="0"/>
@@ -4144,7 +4118,7 @@
           <a:lstStyle/>
           <a:p>
             <a:pPr marL="285750" indent="-285750">
-              <a:buFont typeface="Arial" pitchFamily="34" charset="0"/>
+              <a:buFont typeface="Arial" panose="020B0604020202090204" pitchFamily="34" charset="0"/>
               <a:buChar char="•"/>
             </a:pPr>
             <a:r>
@@ -4152,16 +4126,9 @@
                 <a:latin typeface="Hind Siliguri" pitchFamily="2" charset="0"/>
                 <a:cs typeface="Hind Siliguri" pitchFamily="2" charset="0"/>
               </a:rPr>
-              <a:t>Spread= </a:t>
-            </a:r>
-            <a:r>
-              <a:rPr lang="bn-IN" b="1" dirty="0" smtClean="0">
-                <a:latin typeface="Hind Siliguri" pitchFamily="2" charset="0"/>
-                <a:cs typeface="Hind Siliguri" pitchFamily="2" charset="0"/>
-              </a:rPr>
-              <a:t>প্রসার, বিস্তার </a:t>
-            </a:r>
-            <a:endParaRPr lang="bn-IN" dirty="0" smtClean="0">
+              <a:t>Spread= প্রসার, বিস্তার </a:t>
+            </a:r>
+            <a:endParaRPr lang="en-US" dirty="0" smtClean="0">
               <a:latin typeface="Hind Siliguri" pitchFamily="2" charset="0"/>
               <a:cs typeface="Hind Siliguri" pitchFamily="2" charset="0"/>
             </a:endParaRPr>
@@ -4174,11 +4141,6 @@
         </p:txBody>
       </p:sp>
     </p:spTree>
-    <p:extLst>
-      <p:ext uri="{BB962C8B-B14F-4D97-AF65-F5344CB8AC3E}">
-        <p14:creationId xmlns:p14="http://schemas.microsoft.com/office/powerpoint/2010/main" val="3294341460"/>
-      </p:ext>
-    </p:extLst>
   </p:cSld>
   <p:clrMapOvr>
     <a:masterClrMapping/>
@@ -4562,6 +4524,9 @@
               </a:rPr>
               <a:t>Without using spread operator</a:t>
             </a:r>
+            <a:endParaRPr lang="en-US" sz="2800" dirty="0">
+              <a:latin typeface="Bahnschrift SemiBold Condensed" pitchFamily="34" charset="0"/>
+            </a:endParaRPr>
           </a:p>
         </p:txBody>
       </p:sp>
@@ -4574,7 +4539,7 @@
           <p:nvPr/>
         </p:nvPicPr>
         <p:blipFill>
-          <a:blip r:embed="rId2">
+          <a:blip r:embed="rId1">
             <a:extLst>
               <a:ext uri="{28A0092B-C50C-407E-A947-70E740481C1C}">
                 <a14:useLocalDpi xmlns:a14="http://schemas.microsoft.com/office/drawing/2010/main" val="0"/>
@@ -4633,7 +4598,7 @@
           <p:nvPr/>
         </p:nvPicPr>
         <p:blipFill>
-          <a:blip r:embed="rId3">
+          <a:blip r:embed="rId2">
             <a:extLst>
               <a:ext uri="{28A0092B-C50C-407E-A947-70E740481C1C}">
                 <a14:useLocalDpi xmlns:a14="http://schemas.microsoft.com/office/drawing/2010/main" val="0"/>
@@ -4684,11 +4649,6 @@
         </p:spPr>
       </p:pic>
     </p:spTree>
-    <p:extLst>
-      <p:ext uri="{BB962C8B-B14F-4D97-AF65-F5344CB8AC3E}">
-        <p14:creationId xmlns:p14="http://schemas.microsoft.com/office/powerpoint/2010/main" val="3724015094"/>
-      </p:ext>
-    </p:extLst>
   </p:cSld>
   <p:clrMapOvr>
     <a:masterClrMapping/>
@@ -4748,6 +4708,9 @@
               </a:rPr>
               <a:t>ES6 Rest Parameter</a:t>
             </a:r>
+            <a:endParaRPr lang="en-US" sz="2800" dirty="0">
+              <a:latin typeface="Bahnschrift SemiBold Condensed" pitchFamily="34" charset="0"/>
+            </a:endParaRPr>
           </a:p>
         </p:txBody>
       </p:sp>
@@ -4774,7 +4737,7 @@
           <a:lstStyle/>
           <a:p>
             <a:pPr marL="285750" indent="-285750">
-              <a:buFont typeface="Arial" pitchFamily="34" charset="0"/>
+              <a:buFont typeface="Arial" panose="020B0604020202090204" pitchFamily="34" charset="0"/>
               <a:buChar char="•"/>
             </a:pPr>
             <a:r>
@@ -4795,13 +4758,13 @@
               </a:rPr>
               <a:t>.</a:t>
             </a:r>
-            <a:endParaRPr lang="bn-IN" dirty="0" smtClean="0">
+            <a:endParaRPr lang="en-US" dirty="0" smtClean="0">
               <a:latin typeface="Bahnschrift Light Condensed" pitchFamily="34" charset="0"/>
             </a:endParaRPr>
           </a:p>
           <a:p>
             <a:pPr marL="285750" indent="-285750">
-              <a:buFont typeface="Arial" pitchFamily="34" charset="0"/>
+              <a:buFont typeface="Arial" panose="020B0604020202090204" pitchFamily="34" charset="0"/>
               <a:buChar char="•"/>
             </a:pPr>
             <a:r>
@@ -4822,6 +4785,9 @@
               </a:rPr>
               <a:t>parameter is prefixed with three dots (...).</a:t>
             </a:r>
+            <a:endParaRPr lang="en-US" dirty="0">
+              <a:latin typeface="Bahnschrift Light Condensed" pitchFamily="34" charset="0"/>
+            </a:endParaRPr>
           </a:p>
         </p:txBody>
       </p:sp>
@@ -4834,7 +4800,7 @@
           <p:nvPr/>
         </p:nvPicPr>
         <p:blipFill>
-          <a:blip r:embed="rId2">
+          <a:blip r:embed="rId1">
             <a:extLst>
               <a:ext uri="{28A0092B-C50C-407E-A947-70E740481C1C}">
                 <a14:useLocalDpi xmlns:a14="http://schemas.microsoft.com/office/drawing/2010/main" val="0"/>
@@ -4890,11 +4856,6 @@
         </p:spPr>
       </p:pic>
     </p:spTree>
-    <p:extLst>
-      <p:ext uri="{BB962C8B-B14F-4D97-AF65-F5344CB8AC3E}">
-        <p14:creationId xmlns:p14="http://schemas.microsoft.com/office/powerpoint/2010/main" val="2187113520"/>
-      </p:ext>
-    </p:extLst>
   </p:cSld>
   <p:clrMapOvr>
     <a:masterClrMapping/>
@@ -5193,6 +5154,9 @@
               </a:rPr>
               <a:t>function</a:t>
             </a:r>
+            <a:endParaRPr lang="en-US" sz="2800" dirty="0">
+              <a:latin typeface="Bahnschrift SemiBold Condensed" pitchFamily="34" charset="0"/>
+            </a:endParaRPr>
           </a:p>
         </p:txBody>
       </p:sp>
@@ -5219,7 +5183,7 @@
           <a:lstStyle/>
           <a:p>
             <a:pPr marL="285750" indent="-285750">
-              <a:buFont typeface="Arial" pitchFamily="34" charset="0"/>
+              <a:buFont typeface="Arial" panose="020B0604020202090204" pitchFamily="34" charset="0"/>
               <a:buChar char="•"/>
             </a:pPr>
             <a:r>
@@ -5240,6 +5204,9 @@
               </a:rPr>
               <a:t>by using the function constructor. </a:t>
             </a:r>
+            <a:endParaRPr lang="en-US" dirty="0">
+              <a:latin typeface="Bahnschrift Light Condensed" pitchFamily="34" charset="0"/>
+            </a:endParaRPr>
           </a:p>
         </p:txBody>
       </p:sp>
@@ -5252,7 +5219,7 @@
           <p:nvPr/>
         </p:nvPicPr>
         <p:blipFill>
-          <a:blip r:embed="rId2">
+          <a:blip r:embed="rId1">
             <a:extLst>
               <a:ext uri="{28A0092B-C50C-407E-A947-70E740481C1C}">
                 <a14:useLocalDpi xmlns:a14="http://schemas.microsoft.com/office/drawing/2010/main" val="0"/>
@@ -5303,11 +5270,6 @@
         </p:spPr>
       </p:pic>
     </p:spTree>
-    <p:extLst>
-      <p:ext uri="{BB962C8B-B14F-4D97-AF65-F5344CB8AC3E}">
-        <p14:creationId xmlns:p14="http://schemas.microsoft.com/office/powerpoint/2010/main" val="3357071457"/>
-      </p:ext>
-    </p:extLst>
   </p:cSld>
   <p:clrMapOvr>
     <a:masterClrMapping/>
@@ -5495,6 +5457,9 @@
               </a:rPr>
               <a:t>ES6 Variables</a:t>
             </a:r>
+            <a:endParaRPr lang="en-US" sz="2800" dirty="0">
+              <a:latin typeface="Bahnschrift SemiBold Condensed" pitchFamily="34" charset="0"/>
+            </a:endParaRPr>
           </a:p>
         </p:txBody>
       </p:sp>
@@ -5528,10 +5493,11 @@
               <a:rPr lang="en-US" b="1" dirty="0" smtClean="0"/>
               <a:t>let:</a:t>
             </a:r>
+            <a:endParaRPr lang="en-US" b="1" dirty="0" smtClean="0"/>
           </a:p>
           <a:p>
             <a:pPr marL="285750" indent="-285750">
-              <a:buFont typeface="Arial" pitchFamily="34" charset="0"/>
+              <a:buFont typeface="Arial" panose="020B0604020202090204" pitchFamily="34" charset="0"/>
               <a:buChar char="•"/>
             </a:pPr>
             <a:r>
@@ -5546,10 +5512,11 @@
               <a:rPr lang="en-US" dirty="0" smtClean="0"/>
               <a:t>scope</a:t>
             </a:r>
+            <a:endParaRPr lang="en-US" dirty="0" smtClean="0"/>
           </a:p>
           <a:p>
             <a:pPr marL="285750" indent="-285750">
-              <a:buFont typeface="Arial" pitchFamily="34" charset="0"/>
+              <a:buFont typeface="Arial" panose="020B0604020202090204" pitchFamily="34" charset="0"/>
               <a:buChar char="•"/>
             </a:pPr>
             <a:r>
@@ -5564,10 +5531,11 @@
               <a:rPr lang="en-US" dirty="0" smtClean="0"/>
               <a:t>.</a:t>
             </a:r>
+            <a:endParaRPr lang="en-US" dirty="0" smtClean="0"/>
           </a:p>
           <a:p>
             <a:pPr marL="285750" indent="-285750">
-              <a:buFont typeface="Arial" pitchFamily="34" charset="0"/>
+              <a:buFont typeface="Arial" panose="020B0604020202090204" pitchFamily="34" charset="0"/>
               <a:buChar char="•"/>
             </a:pPr>
             <a:r>
@@ -5592,10 +5560,11 @@
               <a:rPr lang="en-US" b="1" dirty="0" smtClean="0"/>
               <a:t>const:</a:t>
             </a:r>
+            <a:endParaRPr lang="en-US" b="1" dirty="0" smtClean="0"/>
           </a:p>
           <a:p>
             <a:pPr marL="285750" indent="-285750">
-              <a:buFont typeface="Arial" pitchFamily="34" charset="0"/>
+              <a:buFont typeface="Arial" panose="020B0604020202090204" pitchFamily="34" charset="0"/>
               <a:buChar char="•"/>
             </a:pPr>
             <a:r>
@@ -5606,7 +5575,7 @@
           </a:p>
           <a:p>
             <a:pPr marL="285750" indent="-285750">
-              <a:buFont typeface="Arial" pitchFamily="34" charset="0"/>
+              <a:buFont typeface="Arial" panose="020B0604020202090204" pitchFamily="34" charset="0"/>
               <a:buChar char="•"/>
             </a:pPr>
             <a:r>
@@ -5621,7 +5590,7 @@
           </a:p>
           <a:p>
             <a:pPr marL="285750" indent="-285750">
-              <a:buFont typeface="Arial" pitchFamily="34" charset="0"/>
+              <a:buFont typeface="Arial" panose="020B0604020202090204" pitchFamily="34" charset="0"/>
               <a:buChar char="•"/>
             </a:pPr>
             <a:r>
@@ -5642,10 +5611,11 @@
               <a:rPr lang="en-US" b="1" dirty="0" smtClean="0"/>
               <a:t>Using var</a:t>
             </a:r>
+            <a:endParaRPr lang="en-US" b="1" dirty="0" smtClean="0"/>
           </a:p>
           <a:p>
             <a:pPr marL="285750" indent="-285750">
-              <a:buFont typeface="Arial" pitchFamily="34" charset="0"/>
+              <a:buFont typeface="Arial" panose="020B0604020202090204" pitchFamily="34" charset="0"/>
               <a:buChar char="•"/>
             </a:pPr>
             <a:r>
@@ -5660,16 +5630,18 @@
               <a:rPr lang="en-US" dirty="0"/>
               <a:t>be re-declared.</a:t>
             </a:r>
+            <a:endParaRPr lang="en-US" dirty="0"/>
           </a:p>
           <a:p>
             <a:pPr marL="285750" indent="-285750">
-              <a:buFont typeface="Arial" pitchFamily="34" charset="0"/>
+              <a:buFont typeface="Arial" panose="020B0604020202090204" pitchFamily="34" charset="0"/>
               <a:buChar char="•"/>
             </a:pPr>
             <a:r>
               <a:rPr lang="en-US" dirty="0"/>
               <a:t>can be reassigned a value.</a:t>
             </a:r>
+            <a:endParaRPr lang="en-US" dirty="0"/>
           </a:p>
           <a:p>
             <a:endParaRPr lang="en-US" b="1" dirty="0" smtClean="0"/>
@@ -5680,11 +5652,6 @@
         </p:txBody>
       </p:sp>
     </p:spTree>
-    <p:extLst>
-      <p:ext uri="{BB962C8B-B14F-4D97-AF65-F5344CB8AC3E}">
-        <p14:creationId xmlns:p14="http://schemas.microsoft.com/office/powerpoint/2010/main" val="2128008652"/>
-      </p:ext>
-    </p:extLst>
   </p:cSld>
   <p:clrMapOvr>
     <a:masterClrMapping/>
@@ -5744,6 +5711,9 @@
               </a:rPr>
               <a:t>Variable Scope</a:t>
             </a:r>
+            <a:endParaRPr lang="en-US" sz="2800" dirty="0">
+              <a:latin typeface="Bahnschrift SemiBold Condensed" pitchFamily="34" charset="0"/>
+            </a:endParaRPr>
           </a:p>
         </p:txBody>
       </p:sp>
@@ -5822,6 +5792,9 @@
               </a:rPr>
               <a:t>the global scope, the variable can be accessed from any part of the JavaScript code.</a:t>
             </a:r>
+            <a:endParaRPr lang="en-US" dirty="0">
+              <a:latin typeface="Bahnschrift Light Condensed" pitchFamily="34" charset="0"/>
+            </a:endParaRPr>
           </a:p>
           <a:p>
             <a:r>
@@ -5848,6 +5821,9 @@
               </a:rPr>
               <a:t>the local scope, the variable can be accessed within a function where it is declared.</a:t>
             </a:r>
+            <a:endParaRPr lang="en-US" dirty="0">
+              <a:latin typeface="Bahnschrift Light Condensed" pitchFamily="34" charset="0"/>
+            </a:endParaRPr>
           </a:p>
           <a:p>
             <a:endParaRPr lang="en-US" b="1" dirty="0" smtClean="0"/>
@@ -5858,11 +5834,6 @@
         </p:txBody>
       </p:sp>
     </p:spTree>
-    <p:extLst>
-      <p:ext uri="{BB962C8B-B14F-4D97-AF65-F5344CB8AC3E}">
-        <p14:creationId xmlns:p14="http://schemas.microsoft.com/office/powerpoint/2010/main" val="3446285093"/>
-      </p:ext>
-    </p:extLst>
   </p:cSld>
   <p:clrMapOvr>
     <a:masterClrMapping/>
@@ -5922,6 +5893,9 @@
               </a:rPr>
               <a:t> Variable Hoisting</a:t>
             </a:r>
+            <a:endParaRPr lang="en-US" sz="2800" dirty="0">
+              <a:latin typeface="Bahnschrift SemiBold Condensed" pitchFamily="34" charset="0"/>
+            </a:endParaRPr>
           </a:p>
         </p:txBody>
       </p:sp>
@@ -5981,15 +5955,12 @@
                 <a:latin typeface="Hind Siliguri" pitchFamily="2" charset="0"/>
                 <a:cs typeface="Hind Siliguri" pitchFamily="2" charset="0"/>
               </a:rPr>
-              <a:t>Hoisting </a:t>
-            </a:r>
-            <a:r>
-              <a:rPr lang="bn-IN" b="1" dirty="0" smtClean="0">
-                <a:latin typeface="Hind Siliguri" pitchFamily="2" charset="0"/>
-                <a:cs typeface="Hind Siliguri" pitchFamily="2" charset="0"/>
-              </a:rPr>
-              <a:t>মানে উত্তোলন</a:t>
-            </a:r>
+              <a:t>Hoisting মানে উত্তোলন</a:t>
+            </a:r>
+            <a:endParaRPr lang="en-US" b="1" dirty="0" smtClean="0">
+              <a:latin typeface="Hind Siliguri" pitchFamily="2" charset="0"/>
+              <a:cs typeface="Hind Siliguri" pitchFamily="2" charset="0"/>
+            </a:endParaRPr>
           </a:p>
           <a:p>
             <a:r>
@@ -5997,15 +5968,12 @@
                 <a:latin typeface="Hind Siliguri" pitchFamily="2" charset="0"/>
                 <a:cs typeface="Hind Siliguri" pitchFamily="2" charset="0"/>
               </a:rPr>
-              <a:t>Value assign </a:t>
-            </a:r>
-            <a:r>
-              <a:rPr lang="bn-IN" b="1" dirty="0" smtClean="0">
-                <a:latin typeface="Hind Siliguri" pitchFamily="2" charset="0"/>
-                <a:cs typeface="Hind Siliguri" pitchFamily="2" charset="0"/>
-              </a:rPr>
-              <a:t>আগে, </a:t>
-            </a:r>
+              <a:t>Value assign আগে, </a:t>
+            </a:r>
+            <a:endParaRPr lang="en-US" b="1" dirty="0" smtClean="0">
+              <a:latin typeface="Hind Siliguri" pitchFamily="2" charset="0"/>
+              <a:cs typeface="Hind Siliguri" pitchFamily="2" charset="0"/>
+            </a:endParaRPr>
           </a:p>
           <a:p>
             <a:r>
@@ -6013,28 +5981,7 @@
                 <a:latin typeface="Hind Siliguri" pitchFamily="2" charset="0"/>
                 <a:cs typeface="Hind Siliguri" pitchFamily="2" charset="0"/>
               </a:rPr>
-              <a:t>Declare </a:t>
-            </a:r>
-            <a:r>
-              <a:rPr lang="bn-IN" b="1" dirty="0" smtClean="0">
-                <a:latin typeface="Hind Siliguri" pitchFamily="2" charset="0"/>
-                <a:cs typeface="Hind Siliguri" pitchFamily="2" charset="0"/>
-              </a:rPr>
-              <a:t>পরে </a:t>
-            </a:r>
-            <a:r>
-              <a:rPr lang="en-US" b="1" dirty="0" smtClean="0">
-                <a:latin typeface="Hind Siliguri" pitchFamily="2" charset="0"/>
-                <a:cs typeface="Hind Siliguri" pitchFamily="2" charset="0"/>
-              </a:rPr>
-              <a:t> </a:t>
-            </a:r>
-            <a:r>
-              <a:rPr lang="bn-IN" b="1" dirty="0" smtClean="0">
-                <a:latin typeface="Hind Siliguri" pitchFamily="2" charset="0"/>
-                <a:cs typeface="Hind Siliguri" pitchFamily="2" charset="0"/>
-              </a:rPr>
-              <a:t> </a:t>
+              <a:t>Declare পরে   </a:t>
             </a:r>
             <a:endParaRPr lang="en-US" b="1" dirty="0">
               <a:latin typeface="Hind Siliguri" pitchFamily="2" charset="0"/>
@@ -6050,11 +5997,6 @@
         </p:txBody>
       </p:sp>
     </p:spTree>
-    <p:extLst>
-      <p:ext uri="{BB962C8B-B14F-4D97-AF65-F5344CB8AC3E}">
-        <p14:creationId xmlns:p14="http://schemas.microsoft.com/office/powerpoint/2010/main" val="1741238177"/>
-      </p:ext>
-    </p:extLst>
   </p:cSld>
   <p:clrMapOvr>
     <a:masterClrMapping/>
@@ -6164,7 +6106,7 @@
           <p:nvPr/>
         </p:nvPicPr>
         <p:blipFill>
-          <a:blip r:embed="rId2">
+          <a:blip r:embed="rId1">
             <a:extLst>
               <a:ext uri="{28A0092B-C50C-407E-A947-70E740481C1C}">
                 <a14:useLocalDpi xmlns:a14="http://schemas.microsoft.com/office/drawing/2010/main" val="0"/>
@@ -6178,7 +6120,7 @@
         </p:blipFill>
         <p:spPr bwMode="auto">
           <a:xfrm>
-            <a:off x="443709" y="884251"/>
+            <a:off x="451329" y="884251"/>
             <a:ext cx="2375691" cy="1522113"/>
           </a:xfrm>
           <a:prstGeom prst="rect">
@@ -6220,11 +6162,6 @@
         </p:spPr>
       </p:pic>
     </p:spTree>
-    <p:extLst>
-      <p:ext uri="{BB962C8B-B14F-4D97-AF65-F5344CB8AC3E}">
-        <p14:creationId xmlns:p14="http://schemas.microsoft.com/office/powerpoint/2010/main" val="1944558203"/>
-      </p:ext>
-    </p:extLst>
   </p:cSld>
   <p:clrMapOvr>
     <a:masterClrMapping/>
@@ -6287,7 +6224,7 @@
           <a:lstStyle/>
           <a:p>
             <a:r>
-              <a:rPr lang="bn-IN" sz="2800" b="1" dirty="0" smtClean="0">
+              <a:rPr lang="en-US" sz="2800" b="1" dirty="0" smtClean="0">
                 <a:latin typeface="Hind Siliguri" pitchFamily="2" charset="0"/>
                 <a:cs typeface="Hind Siliguri" pitchFamily="2" charset="0"/>
               </a:rPr>
@@ -6301,7 +6238,7 @@
           <a:p>
             <a:pPr algn="ctr"/>
             <a:r>
-              <a:rPr lang="bn-IN" sz="2800" b="1" dirty="0" smtClean="0">
+              <a:rPr lang="en-US" sz="2800" b="1" dirty="0" smtClean="0">
                 <a:latin typeface="Hind Siliguri" pitchFamily="2" charset="0"/>
                 <a:cs typeface="Hind Siliguri" pitchFamily="2" charset="0"/>
               </a:rPr>
@@ -6315,11 +6252,6 @@
         </p:txBody>
       </p:sp>
     </p:spTree>
-    <p:extLst>
-      <p:ext uri="{BB962C8B-B14F-4D97-AF65-F5344CB8AC3E}">
-        <p14:creationId xmlns:p14="http://schemas.microsoft.com/office/powerpoint/2010/main" val="3677859773"/>
-      </p:ext>
-    </p:extLst>
   </p:cSld>
   <p:clrMapOvr>
     <a:masterClrMapping/>
@@ -6379,6 +6311,9 @@
               </a:rPr>
               <a:t> The for…of loop</a:t>
             </a:r>
+            <a:endParaRPr lang="en-US" sz="2800" dirty="0">
+              <a:latin typeface="Bahnschrift SemiBold Condensed" pitchFamily="34" charset="0"/>
+            </a:endParaRPr>
           </a:p>
         </p:txBody>
       </p:sp>
@@ -6420,7 +6355,7 @@
           <p:nvPr/>
         </p:nvPicPr>
         <p:blipFill>
-          <a:blip r:embed="rId2">
+          <a:blip r:embed="rId1">
             <a:extLst>
               <a:ext uri="{28A0092B-C50C-407E-A947-70E740481C1C}">
                 <a14:useLocalDpi xmlns:a14="http://schemas.microsoft.com/office/drawing/2010/main" val="0"/>
@@ -6434,7 +6369,7 @@
         </p:blipFill>
         <p:spPr bwMode="auto">
           <a:xfrm>
-            <a:off x="359163" y="862307"/>
+            <a:off x="359163" y="884532"/>
             <a:ext cx="6222030" cy="1323975"/>
           </a:xfrm>
           <a:prstGeom prst="rect">
@@ -6476,11 +6411,6 @@
         </p:spPr>
       </p:pic>
     </p:spTree>
-    <p:extLst>
-      <p:ext uri="{BB962C8B-B14F-4D97-AF65-F5344CB8AC3E}">
-        <p14:creationId xmlns:p14="http://schemas.microsoft.com/office/powerpoint/2010/main" val="3025349260"/>
-      </p:ext>
-    </p:extLst>
   </p:cSld>
   <p:clrMapOvr>
     <a:masterClrMapping/>
@@ -6590,7 +6520,7 @@
           <p:nvPr/>
         </p:nvPicPr>
         <p:blipFill>
-          <a:blip r:embed="rId2">
+          <a:blip r:embed="rId1">
             <a:extLst>
               <a:ext uri="{28A0092B-C50C-407E-A947-70E740481C1C}">
                 <a14:useLocalDpi xmlns:a14="http://schemas.microsoft.com/office/drawing/2010/main" val="0"/>
@@ -6646,11 +6576,6 @@
         </p:spPr>
       </p:pic>
     </p:spTree>
-    <p:extLst>
-      <p:ext uri="{BB962C8B-B14F-4D97-AF65-F5344CB8AC3E}">
-        <p14:creationId xmlns:p14="http://schemas.microsoft.com/office/powerpoint/2010/main" val="1593060717"/>
-      </p:ext>
-    </p:extLst>
   </p:cSld>
   <p:clrMapOvr>
     <a:masterClrMapping/>
@@ -6722,6 +6647,9 @@
               </a:rPr>
               <a:t>loop</a:t>
             </a:r>
+            <a:endParaRPr lang="en-US" sz="2800" dirty="0">
+              <a:latin typeface="Bahnschrift SemiBold Condensed" pitchFamily="34" charset="0"/>
+            </a:endParaRPr>
           </a:p>
         </p:txBody>
       </p:sp>
@@ -6763,7 +6691,7 @@
           <p:nvPr/>
         </p:nvPicPr>
         <p:blipFill>
-          <a:blip r:embed="rId2">
+          <a:blip r:embed="rId1">
             <a:extLst>
               <a:ext uri="{28A0092B-C50C-407E-A947-70E740481C1C}">
                 <a14:useLocalDpi xmlns:a14="http://schemas.microsoft.com/office/drawing/2010/main" val="0"/>
@@ -6819,11 +6747,6 @@
         </p:spPr>
       </p:pic>
     </p:spTree>
-    <p:extLst>
-      <p:ext uri="{BB962C8B-B14F-4D97-AF65-F5344CB8AC3E}">
-        <p14:creationId xmlns:p14="http://schemas.microsoft.com/office/powerpoint/2010/main" val="335094913"/>
-      </p:ext>
-    </p:extLst>
   </p:cSld>
   <p:clrMapOvr>
     <a:masterClrMapping/>
@@ -6883,6 +6806,9 @@
               </a:rPr>
               <a:t> ES6 Decision-Making</a:t>
             </a:r>
+            <a:endParaRPr lang="en-US" sz="2800" dirty="0">
+              <a:latin typeface="Bahnschrift SemiBold Condensed" pitchFamily="34" charset="0"/>
+            </a:endParaRPr>
           </a:p>
         </p:txBody>
       </p:sp>
@@ -6938,7 +6864,7 @@
           <a:lstStyle/>
           <a:p>
             <a:r>
-              <a:rPr lang="bn-IN" b="1" dirty="0" smtClean="0">
+              <a:rPr lang="en-US" b="1" dirty="0" smtClean="0">
                 <a:latin typeface="Hind Siliguri" pitchFamily="2" charset="0"/>
                 <a:cs typeface="Hind Siliguri" pitchFamily="2" charset="0"/>
               </a:rPr>
@@ -6958,11 +6884,6 @@
         </p:txBody>
       </p:sp>
     </p:spTree>
-    <p:extLst>
-      <p:ext uri="{BB962C8B-B14F-4D97-AF65-F5344CB8AC3E}">
-        <p14:creationId xmlns:p14="http://schemas.microsoft.com/office/powerpoint/2010/main" val="3558353679"/>
-      </p:ext>
-    </p:extLst>
   </p:cSld>
   <p:clrMapOvr>
     <a:masterClrMapping/>
@@ -7086,7 +7007,7 @@
           <a:lstStyle/>
           <a:p>
             <a:pPr marL="285750" indent="-285750">
-              <a:buFont typeface="Arial" pitchFamily="34" charset="0"/>
+              <a:buFont typeface="Arial" panose="020B0604020202090204" pitchFamily="34" charset="0"/>
               <a:buChar char="•"/>
             </a:pPr>
             <a:r>
@@ -7096,10 +7017,14 @@
               </a:rPr>
               <a:t>Simple Function</a:t>
             </a:r>
+            <a:endParaRPr lang="en-US" dirty="0" smtClean="0">
+              <a:latin typeface="Bahnschrift Light Condensed" pitchFamily="34" charset="0"/>
+              <a:cs typeface="Hind Siliguri" pitchFamily="2" charset="0"/>
+            </a:endParaRPr>
           </a:p>
           <a:p>
             <a:pPr marL="285750" indent="-285750">
-              <a:buFont typeface="Arial" pitchFamily="34" charset="0"/>
+              <a:buFont typeface="Arial" panose="020B0604020202090204" pitchFamily="34" charset="0"/>
               <a:buChar char="•"/>
             </a:pPr>
             <a:r>
@@ -7109,10 +7034,14 @@
               </a:rPr>
               <a:t>Parameterized functions</a:t>
             </a:r>
+            <a:endParaRPr lang="en-US" dirty="0" smtClean="0">
+              <a:latin typeface="Bahnschrift Light Condensed" pitchFamily="34" charset="0"/>
+              <a:cs typeface="Hind Siliguri" pitchFamily="2" charset="0"/>
+            </a:endParaRPr>
           </a:p>
           <a:p>
             <a:pPr marL="285750" indent="-285750">
-              <a:buFont typeface="Arial" pitchFamily="34" charset="0"/>
+              <a:buFont typeface="Arial" panose="020B0604020202090204" pitchFamily="34" charset="0"/>
               <a:buChar char="•"/>
             </a:pPr>
             <a:r>
@@ -7127,10 +7056,13 @@
               </a:rPr>
               <a:t>Parameters</a:t>
             </a:r>
+            <a:endParaRPr lang="en-US" dirty="0" smtClean="0">
+              <a:latin typeface="Bahnschrift Light Condensed" pitchFamily="34" charset="0"/>
+            </a:endParaRPr>
           </a:p>
           <a:p>
             <a:pPr marL="285750" indent="-285750">
-              <a:buFont typeface="Arial" pitchFamily="34" charset="0"/>
+              <a:buFont typeface="Arial" panose="020B0604020202090204" pitchFamily="34" charset="0"/>
               <a:buChar char="•"/>
             </a:pPr>
             <a:r>
@@ -7145,10 +7077,13 @@
               </a:rPr>
               <a:t>functions</a:t>
             </a:r>
+            <a:endParaRPr lang="en-US" dirty="0" smtClean="0">
+              <a:latin typeface="Bahnschrift Light Condensed" pitchFamily="34" charset="0"/>
+            </a:endParaRPr>
           </a:p>
           <a:p>
             <a:pPr marL="285750" indent="-285750">
-              <a:buFont typeface="Arial" pitchFamily="34" charset="0"/>
+              <a:buFont typeface="Arial" panose="020B0604020202090204" pitchFamily="34" charset="0"/>
               <a:buChar char="•"/>
             </a:pPr>
             <a:r>
@@ -7163,10 +7098,13 @@
               </a:rPr>
               <a:t>function</a:t>
             </a:r>
+            <a:endParaRPr lang="en-US" dirty="0" smtClean="0">
+              <a:latin typeface="Bahnschrift Light Condensed" pitchFamily="34" charset="0"/>
+            </a:endParaRPr>
           </a:p>
           <a:p>
             <a:pPr marL="285750" indent="-285750">
-              <a:buFont typeface="Arial" pitchFamily="34" charset="0"/>
+              <a:buFont typeface="Arial" panose="020B0604020202090204" pitchFamily="34" charset="0"/>
               <a:buChar char="•"/>
             </a:pPr>
             <a:r>
@@ -7175,10 +7113,13 @@
               </a:rPr>
               <a:t>Parameterized Anonymous function</a:t>
             </a:r>
+            <a:endParaRPr lang="en-US" dirty="0">
+              <a:latin typeface="Bahnschrift Light Condensed" pitchFamily="34" charset="0"/>
+            </a:endParaRPr>
           </a:p>
           <a:p>
             <a:pPr marL="285750" indent="-285750">
-              <a:buFont typeface="Arial" pitchFamily="34" charset="0"/>
+              <a:buFont typeface="Arial" panose="020B0604020202090204" pitchFamily="34" charset="0"/>
               <a:buChar char="•"/>
             </a:pPr>
             <a:r>
@@ -7193,10 +7134,13 @@
               </a:rPr>
               <a:t>functions</a:t>
             </a:r>
+            <a:endParaRPr lang="en-US" dirty="0" smtClean="0">
+              <a:latin typeface="Bahnschrift Light Condensed" pitchFamily="34" charset="0"/>
+            </a:endParaRPr>
           </a:p>
           <a:p>
             <a:pPr marL="285750" indent="-285750">
-              <a:buFont typeface="Arial" pitchFamily="34" charset="0"/>
+              <a:buFont typeface="Arial" panose="020B0604020202090204" pitchFamily="34" charset="0"/>
               <a:buChar char="•"/>
             </a:pPr>
             <a:r>
@@ -7205,15 +7149,13 @@
               </a:rPr>
               <a:t>The Function Constructor</a:t>
             </a:r>
+            <a:endParaRPr lang="en-US" dirty="0">
+              <a:latin typeface="Bahnschrift Light Condensed" pitchFamily="34" charset="0"/>
+            </a:endParaRPr>
           </a:p>
         </p:txBody>
       </p:sp>
     </p:spTree>
-    <p:extLst>
-      <p:ext uri="{BB962C8B-B14F-4D97-AF65-F5344CB8AC3E}">
-        <p14:creationId xmlns:p14="http://schemas.microsoft.com/office/powerpoint/2010/main" val="1517742626"/>
-      </p:ext>
-    </p:extLst>
   </p:cSld>
   <p:clrMapOvr>
     <a:masterClrMapping/>
@@ -7273,6 +7215,9 @@
               </a:rPr>
               <a:t> Anonymous function</a:t>
             </a:r>
+            <a:endParaRPr lang="en-US" sz="2800" dirty="0">
+              <a:latin typeface="Bahnschrift SemiBold Condensed" pitchFamily="34" charset="0"/>
+            </a:endParaRPr>
           </a:p>
         </p:txBody>
       </p:sp>
@@ -7328,7 +7273,7 @@
           <a:lstStyle/>
           <a:p>
             <a:pPr marL="285750" indent="-285750">
-              <a:buFont typeface="Arial" pitchFamily="34" charset="0"/>
+              <a:buFont typeface="Arial" panose="020B0604020202090204" pitchFamily="34" charset="0"/>
               <a:buChar char="•"/>
             </a:pPr>
             <a:r>
@@ -7352,10 +7297,14 @@
               </a:rPr>
               <a:t>name</a:t>
             </a:r>
+            <a:endParaRPr lang="en-US" dirty="0" smtClean="0">
+              <a:latin typeface="Bahnschrift Light Condensed" pitchFamily="34" charset="0"/>
+              <a:cs typeface="Hind Siliguri" pitchFamily="2" charset="0"/>
+            </a:endParaRPr>
           </a:p>
           <a:p>
             <a:pPr marL="285750" indent="-285750">
-              <a:buFont typeface="Arial" pitchFamily="34" charset="0"/>
+              <a:buFont typeface="Arial" panose="020B0604020202090204" pitchFamily="34" charset="0"/>
               <a:buChar char="•"/>
             </a:pPr>
             <a:r>
@@ -7370,10 +7319,13 @@
               </a:rPr>
               <a:t>runtime</a:t>
             </a:r>
+            <a:endParaRPr lang="en-US" dirty="0" smtClean="0">
+              <a:latin typeface="Bahnschrift Light Condensed" pitchFamily="34" charset="0"/>
+            </a:endParaRPr>
           </a:p>
           <a:p>
             <a:pPr marL="285750" indent="-285750">
-              <a:buFont typeface="Arial" pitchFamily="34" charset="0"/>
+              <a:buFont typeface="Arial" panose="020B0604020202090204" pitchFamily="34" charset="0"/>
               <a:buChar char="•"/>
             </a:pPr>
             <a:r>
@@ -7388,15 +7340,13 @@
               </a:rPr>
               <a:t>anonymous function can be assigned within a variable.</a:t>
             </a:r>
+            <a:endParaRPr lang="en-US" dirty="0">
+              <a:latin typeface="Bahnschrift Light Condensed" pitchFamily="34" charset="0"/>
+            </a:endParaRPr>
           </a:p>
         </p:txBody>
       </p:sp>
     </p:spTree>
-    <p:extLst>
-      <p:ext uri="{BB962C8B-B14F-4D97-AF65-F5344CB8AC3E}">
-        <p14:creationId xmlns:p14="http://schemas.microsoft.com/office/powerpoint/2010/main" val="2166373000"/>
-      </p:ext>
-    </p:extLst>
   </p:cSld>
   <p:clrMapOvr>
     <a:masterClrMapping/>
@@ -7456,6 +7406,9 @@
               </a:rPr>
               <a:t> ES6 Arrow Function</a:t>
             </a:r>
+            <a:endParaRPr lang="en-US" sz="2800" dirty="0">
+              <a:latin typeface="Bahnschrift SemiBold Condensed" pitchFamily="34" charset="0"/>
+            </a:endParaRPr>
           </a:p>
         </p:txBody>
       </p:sp>
@@ -7511,7 +7464,7 @@
           <a:lstStyle/>
           <a:p>
             <a:pPr marL="285750" indent="-285750">
-              <a:buFont typeface="Arial" pitchFamily="34" charset="0"/>
+              <a:buFont typeface="Arial" panose="020B0604020202090204" pitchFamily="34" charset="0"/>
               <a:buChar char="•"/>
             </a:pPr>
             <a:r>
@@ -7542,14 +7495,14 @@
               </a:rPr>
               <a:t>.</a:t>
             </a:r>
-            <a:endParaRPr lang="bn-IN" b="1" dirty="0" smtClean="0">
+            <a:endParaRPr lang="en-US" b="1" dirty="0" smtClean="0">
               <a:latin typeface="Bahnschrift Light Condensed" pitchFamily="34" charset="0"/>
               <a:cs typeface="Hind Siliguri" pitchFamily="2" charset="0"/>
             </a:endParaRPr>
           </a:p>
           <a:p>
             <a:pPr marL="285750" indent="-285750">
-              <a:buFont typeface="Arial" pitchFamily="34" charset="0"/>
+              <a:buFont typeface="Arial" panose="020B0604020202090204" pitchFamily="34" charset="0"/>
               <a:buChar char="•"/>
             </a:pPr>
             <a:r>
@@ -7564,10 +7517,13 @@
               </a:rPr>
               <a:t>.</a:t>
             </a:r>
+            <a:endParaRPr lang="en-US" b="1" dirty="0" smtClean="0">
+              <a:latin typeface="Bahnschrift Light Condensed" pitchFamily="34" charset="0"/>
+            </a:endParaRPr>
           </a:p>
           <a:p>
             <a:pPr marL="285750" indent="-285750">
-              <a:buFont typeface="Arial" pitchFamily="34" charset="0"/>
+              <a:buFont typeface="Arial" panose="020B0604020202090204" pitchFamily="34" charset="0"/>
               <a:buChar char="•"/>
             </a:pPr>
             <a:r>
@@ -7582,7 +7538,7 @@
           </a:p>
           <a:p>
             <a:pPr marL="285750" indent="-285750">
-              <a:buFont typeface="Arial" pitchFamily="34" charset="0"/>
+              <a:buFont typeface="Arial" panose="020B0604020202090204" pitchFamily="34" charset="0"/>
               <a:buChar char="•"/>
             </a:pPr>
             <a:r>
@@ -7603,6 +7559,9 @@
               </a:rPr>
               <a:t>.</a:t>
             </a:r>
+            <a:endParaRPr lang="en-US" b="1" dirty="0" smtClean="0">
+              <a:latin typeface="Bahnschrift Light Condensed" pitchFamily="34" charset="0"/>
+            </a:endParaRPr>
           </a:p>
           <a:p>
             <a:r>
@@ -7617,7 +7576,7 @@
           </a:p>
           <a:p>
             <a:pPr marL="285750" indent="-285750">
-              <a:buFont typeface="Arial" pitchFamily="34" charset="0"/>
+              <a:buFont typeface="Arial" panose="020B0604020202090204" pitchFamily="34" charset="0"/>
               <a:buChar char="•"/>
             </a:pPr>
             <a:r>
@@ -7642,11 +7601,6 @@
         </p:txBody>
       </p:sp>
     </p:spTree>
-    <p:extLst>
-      <p:ext uri="{BB962C8B-B14F-4D97-AF65-F5344CB8AC3E}">
-        <p14:creationId xmlns:p14="http://schemas.microsoft.com/office/powerpoint/2010/main" val="2570243603"/>
-      </p:ext>
-    </p:extLst>
   </p:cSld>
   <p:clrMapOvr>
     <a:masterClrMapping/>
@@ -7706,6 +7660,9 @@
               </a:rPr>
               <a:t>ES6 Arrays</a:t>
             </a:r>
+            <a:endParaRPr lang="en-US" sz="2800" dirty="0">
+              <a:latin typeface="Bahnschrift SemiBold Condensed" pitchFamily="34" charset="0"/>
+            </a:endParaRPr>
           </a:p>
         </p:txBody>
       </p:sp>
@@ -7761,7 +7718,7 @@
           <a:lstStyle/>
           <a:p>
             <a:pPr marL="285750" indent="-285750">
-              <a:buFont typeface="Arial" pitchFamily="34" charset="0"/>
+              <a:buFont typeface="Arial" panose="020B0604020202090204" pitchFamily="34" charset="0"/>
               <a:buChar char="•"/>
             </a:pPr>
             <a:r>
@@ -7778,10 +7735,14 @@
               </a:rPr>
               <a:t>Arrays</a:t>
             </a:r>
+            <a:endParaRPr lang="en-US" b="1" dirty="0" smtClean="0">
+              <a:latin typeface="Bahnschrift Light Condensed" pitchFamily="34" charset="0"/>
+              <a:cs typeface="Hind Siliguri" pitchFamily="2" charset="0"/>
+            </a:endParaRPr>
           </a:p>
           <a:p>
             <a:pPr marL="285750" indent="-285750">
-              <a:buFont typeface="Arial" pitchFamily="34" charset="0"/>
+              <a:buFont typeface="Arial" panose="020B0604020202090204" pitchFamily="34" charset="0"/>
               <a:buChar char="•"/>
             </a:pPr>
             <a:r>
@@ -7791,10 +7752,14 @@
               </a:rPr>
               <a:t>ES6 Array Methods</a:t>
             </a:r>
+            <a:endParaRPr lang="en-US" b="1" dirty="0" smtClean="0">
+              <a:latin typeface="Bahnschrift Light Condensed" pitchFamily="34" charset="0"/>
+              <a:cs typeface="Hind Siliguri" pitchFamily="2" charset="0"/>
+            </a:endParaRPr>
           </a:p>
           <a:p>
             <a:pPr marL="285750" indent="-285750">
-              <a:buFont typeface="Arial" pitchFamily="34" charset="0"/>
+              <a:buFont typeface="Arial" panose="020B0604020202090204" pitchFamily="34" charset="0"/>
               <a:buChar char="•"/>
             </a:pPr>
             <a:r>
@@ -7818,7 +7783,7 @@
           </a:p>
           <a:p>
             <a:pPr marL="285750" indent="-285750">
-              <a:buFont typeface="Arial" pitchFamily="34" charset="0"/>
+              <a:buFont typeface="Arial" panose="020B0604020202090204" pitchFamily="34" charset="0"/>
               <a:buChar char="•"/>
             </a:pPr>
             <a:r>
@@ -7835,10 +7800,14 @@
               </a:rPr>
               <a:t>Map</a:t>
             </a:r>
+            <a:endParaRPr lang="en-US" b="1" dirty="0" smtClean="0">
+              <a:latin typeface="Bahnschrift Light Condensed" pitchFamily="34" charset="0"/>
+              <a:cs typeface="Hind Siliguri" pitchFamily="2" charset="0"/>
+            </a:endParaRPr>
           </a:p>
           <a:p>
             <a:pPr marL="285750" indent="-285750">
-              <a:buFont typeface="Arial" pitchFamily="34" charset="0"/>
+              <a:buFont typeface="Arial" panose="020B0604020202090204" pitchFamily="34" charset="0"/>
               <a:buChar char="•"/>
             </a:pPr>
             <a:r>
@@ -7861,7 +7830,7 @@
           </a:p>
           <a:p>
             <a:pPr marL="285750" indent="-285750">
-              <a:buFont typeface="Arial" pitchFamily="34" charset="0"/>
+              <a:buFont typeface="Arial" panose="020B0604020202090204" pitchFamily="34" charset="0"/>
               <a:buChar char="•"/>
             </a:pPr>
             <a:endParaRPr lang="en-US" b="1" dirty="0">
@@ -7875,11 +7844,6 @@
         </p:txBody>
       </p:sp>
     </p:spTree>
-    <p:extLst>
-      <p:ext uri="{BB962C8B-B14F-4D97-AF65-F5344CB8AC3E}">
-        <p14:creationId xmlns:p14="http://schemas.microsoft.com/office/powerpoint/2010/main" val="99733022"/>
-      </p:ext>
-    </p:extLst>
   </p:cSld>
   <p:clrMapOvr>
     <a:masterClrMapping/>
@@ -7939,6 +7903,9 @@
               </a:rPr>
               <a:t>ES6 Arrays</a:t>
             </a:r>
+            <a:endParaRPr lang="en-US" sz="2800" dirty="0">
+              <a:latin typeface="Bahnschrift SemiBold Condensed" pitchFamily="34" charset="0"/>
+            </a:endParaRPr>
           </a:p>
         </p:txBody>
       </p:sp>
@@ -7994,7 +7961,7 @@
           <a:lstStyle/>
           <a:p>
             <a:pPr marL="285750" indent="-285750">
-              <a:buFont typeface="Arial" pitchFamily="34" charset="0"/>
+              <a:buFont typeface="Arial" panose="020B0604020202090204" pitchFamily="34" charset="0"/>
               <a:buChar char="•"/>
             </a:pPr>
             <a:r>
@@ -8017,7 +7984,7 @@
           </a:p>
           <a:p>
             <a:pPr marL="285750" indent="-285750">
-              <a:buFont typeface="Arial" pitchFamily="34" charset="0"/>
+              <a:buFont typeface="Arial" panose="020B0604020202090204" pitchFamily="34" charset="0"/>
               <a:buChar char="•"/>
             </a:pPr>
             <a:endParaRPr lang="en-US" b="1" dirty="0">
@@ -8039,7 +8006,7 @@
           <p:nvPr/>
         </p:nvPicPr>
         <p:blipFill>
-          <a:blip r:embed="rId2">
+          <a:blip r:embed="rId1">
             <a:extLst>
               <a:ext uri="{28A0092B-C50C-407E-A947-70E740481C1C}">
                 <a14:useLocalDpi xmlns:a14="http://schemas.microsoft.com/office/drawing/2010/main" val="0"/>
@@ -8098,7 +8065,7 @@
           <p:nvPr/>
         </p:nvPicPr>
         <p:blipFill>
-          <a:blip r:embed="rId3">
+          <a:blip r:embed="rId2">
             <a:extLst>
               <a:ext uri="{28A0092B-C50C-407E-A947-70E740481C1C}">
                 <a14:useLocalDpi xmlns:a14="http://schemas.microsoft.com/office/drawing/2010/main" val="0"/>
@@ -8149,11 +8116,6 @@
         </p:spPr>
       </p:pic>
     </p:spTree>
-    <p:extLst>
-      <p:ext uri="{BB962C8B-B14F-4D97-AF65-F5344CB8AC3E}">
-        <p14:creationId xmlns:p14="http://schemas.microsoft.com/office/powerpoint/2010/main" val="4267264384"/>
-      </p:ext>
-    </p:extLst>
   </p:cSld>
   <p:clrMapOvr>
     <a:masterClrMapping/>
@@ -8213,6 +8175,9 @@
               </a:rPr>
               <a:t>ES6 Arrays</a:t>
             </a:r>
+            <a:endParaRPr lang="en-US" sz="2800" dirty="0">
+              <a:latin typeface="Bahnschrift SemiBold Condensed" pitchFamily="34" charset="0"/>
+            </a:endParaRPr>
           </a:p>
         </p:txBody>
       </p:sp>
@@ -8268,7 +8233,7 @@
           <a:lstStyle/>
           <a:p>
             <a:pPr marL="285750" indent="-285750">
-              <a:buFont typeface="Arial" pitchFamily="34" charset="0"/>
+              <a:buFont typeface="Arial" panose="020B0604020202090204" pitchFamily="34" charset="0"/>
               <a:buChar char="•"/>
             </a:pPr>
             <a:r>
@@ -8285,7 +8250,7 @@
           </a:p>
           <a:p>
             <a:pPr marL="285750" indent="-285750">
-              <a:buFont typeface="Arial" pitchFamily="34" charset="0"/>
+              <a:buFont typeface="Arial" panose="020B0604020202090204" pitchFamily="34" charset="0"/>
               <a:buChar char="•"/>
             </a:pPr>
             <a:endParaRPr lang="en-US" b="1" dirty="0">
@@ -8307,7 +8272,7 @@
           <p:nvPr/>
         </p:nvPicPr>
         <p:blipFill>
-          <a:blip r:embed="rId2">
+          <a:blip r:embed="rId1">
             <a:extLst>
               <a:ext uri="{28A0092B-C50C-407E-A947-70E740481C1C}">
                 <a14:useLocalDpi xmlns:a14="http://schemas.microsoft.com/office/drawing/2010/main" val="0"/>
@@ -8363,11 +8328,6 @@
         </p:spPr>
       </p:pic>
     </p:spTree>
-    <p:extLst>
-      <p:ext uri="{BB962C8B-B14F-4D97-AF65-F5344CB8AC3E}">
-        <p14:creationId xmlns:p14="http://schemas.microsoft.com/office/powerpoint/2010/main" val="1247278014"/>
-      </p:ext>
-    </p:extLst>
   </p:cSld>
   <p:clrMapOvr>
     <a:masterClrMapping/>
@@ -8504,7 +8464,7 @@
             <a:lstStyle/>
             <a:p>
               <a:pPr marL="285750" indent="-285750">
-                <a:buFont typeface="Arial" pitchFamily="34" charset="0"/>
+                <a:buFont typeface="Arial" panose="020B0604020202090204" pitchFamily="34" charset="0"/>
                 <a:buChar char="•"/>
               </a:pPr>
               <a:r>
@@ -8525,10 +8485,13 @@
                 </a:rPr>
                 <a:t>avaScript </a:t>
               </a:r>
+              <a:endParaRPr lang="en-US" dirty="0" smtClean="0">
+                <a:latin typeface="Bahnschrift Light Condensed" pitchFamily="34" charset="0"/>
+              </a:endParaRPr>
             </a:p>
             <a:p>
               <a:pPr marL="285750" indent="-285750">
-                <a:buFont typeface="Arial" pitchFamily="34" charset="0"/>
+                <a:buFont typeface="Arial" panose="020B0604020202090204" pitchFamily="34" charset="0"/>
                 <a:buChar char="•"/>
               </a:pPr>
               <a:r>
@@ -8543,10 +8506,13 @@
                 </a:rPr>
                 <a:t>idely knows as JS6</a:t>
               </a:r>
+              <a:endParaRPr lang="en-US" dirty="0" smtClean="0">
+                <a:latin typeface="Bahnschrift Light Condensed" pitchFamily="34" charset="0"/>
+              </a:endParaRPr>
             </a:p>
             <a:p>
               <a:pPr marL="285750" indent="-285750">
-                <a:buFont typeface="Arial" pitchFamily="34" charset="0"/>
+                <a:buFont typeface="Arial" panose="020B0604020202090204" pitchFamily="34" charset="0"/>
                 <a:buChar char="•"/>
               </a:pPr>
               <a:r>
@@ -8619,7 +8585,7 @@
           <a:lstStyle/>
           <a:p>
             <a:pPr marL="285750" indent="-285750">
-              <a:buFont typeface="Arial" pitchFamily="34" charset="0"/>
+              <a:buFont typeface="Arial" panose="020B0604020202090204" pitchFamily="34" charset="0"/>
               <a:buChar char="•"/>
             </a:pPr>
             <a:r>
@@ -8634,10 +8600,13 @@
               </a:rPr>
               <a:t>language.</a:t>
             </a:r>
+            <a:endParaRPr lang="en-US" dirty="0" smtClean="0">
+              <a:latin typeface="Bahnschrift Light Condensed" pitchFamily="34" charset="0"/>
+            </a:endParaRPr>
           </a:p>
           <a:p>
             <a:pPr marL="285750" indent="-285750">
-              <a:buFont typeface="Arial" pitchFamily="34" charset="0"/>
+              <a:buFont typeface="Arial" panose="020B0604020202090204" pitchFamily="34" charset="0"/>
               <a:buChar char="•"/>
             </a:pPr>
             <a:r>
@@ -8652,10 +8621,13 @@
               </a:rPr>
               <a:t>scripting</a:t>
             </a:r>
+            <a:endParaRPr lang="en-US" dirty="0" smtClean="0">
+              <a:latin typeface="Bahnschrift Light Condensed" pitchFamily="34" charset="0"/>
+            </a:endParaRPr>
           </a:p>
           <a:p>
             <a:pPr marL="285750" indent="-285750">
-              <a:buFont typeface="Arial" pitchFamily="34" charset="0"/>
+              <a:buFont typeface="Arial" panose="020B0604020202090204" pitchFamily="34" charset="0"/>
               <a:buChar char="•"/>
             </a:pPr>
             <a:r>
@@ -8664,15 +8636,13 @@
               </a:rPr>
               <a:t>used for writing server applications and services by using Node.js </a:t>
             </a:r>
+            <a:endParaRPr lang="en-US" dirty="0">
+              <a:latin typeface="Bahnschrift Light Condensed" pitchFamily="34" charset="0"/>
+            </a:endParaRPr>
           </a:p>
         </p:txBody>
       </p:sp>
     </p:spTree>
-    <p:extLst>
-      <p:ext uri="{BB962C8B-B14F-4D97-AF65-F5344CB8AC3E}">
-        <p14:creationId xmlns:p14="http://schemas.microsoft.com/office/powerpoint/2010/main" val="804278884"/>
-      </p:ext>
-    </p:extLst>
   </p:cSld>
   <p:clrMapOvr>
     <a:masterClrMapping/>
@@ -9101,6 +9071,9 @@
               </a:rPr>
               <a:t>ES6 Map</a:t>
             </a:r>
+            <a:endParaRPr lang="en-US" sz="2400" dirty="0">
+              <a:latin typeface="Bahnschrift SemiBold Condensed" pitchFamily="34" charset="0"/>
+            </a:endParaRPr>
           </a:p>
           <a:p>
             <a:endParaRPr lang="en-US" b="1" dirty="0"/>
@@ -9130,7 +9103,7 @@
           <a:lstStyle/>
           <a:p>
             <a:pPr marL="285750" indent="-285750">
-              <a:buFont typeface="Arial" pitchFamily="34" charset="0"/>
+              <a:buFont typeface="Arial" panose="020B0604020202090204" pitchFamily="34" charset="0"/>
               <a:buChar char="•"/>
             </a:pPr>
             <a:r>
@@ -9147,7 +9120,7 @@
           </a:p>
           <a:p>
             <a:pPr marL="285750" indent="-285750">
-              <a:buFont typeface="Arial" pitchFamily="34" charset="0"/>
+              <a:buFont typeface="Arial" panose="020B0604020202090204" pitchFamily="34" charset="0"/>
               <a:buChar char="•"/>
             </a:pPr>
             <a:endParaRPr lang="en-US" b="1" dirty="0">
@@ -9169,7 +9142,7 @@
           <p:nvPr/>
         </p:nvPicPr>
         <p:blipFill>
-          <a:blip r:embed="rId2">
+          <a:blip r:embed="rId1">
             <a:extLst>
               <a:ext uri="{28A0092B-C50C-407E-A947-70E740481C1C}">
                 <a14:useLocalDpi xmlns:a14="http://schemas.microsoft.com/office/drawing/2010/main" val="0"/>
@@ -9225,11 +9198,6 @@
         </p:spPr>
       </p:pic>
     </p:spTree>
-    <p:extLst>
-      <p:ext uri="{BB962C8B-B14F-4D97-AF65-F5344CB8AC3E}">
-        <p14:creationId xmlns:p14="http://schemas.microsoft.com/office/powerpoint/2010/main" val="2072329992"/>
-      </p:ext>
-    </p:extLst>
   </p:cSld>
   <p:clrMapOvr>
     <a:masterClrMapping/>
@@ -9352,6 +9320,9 @@
               </a:rPr>
               <a:t>ES6 Map</a:t>
             </a:r>
+            <a:endParaRPr lang="en-US" sz="2400" dirty="0">
+              <a:latin typeface="Bahnschrift SemiBold Condensed" pitchFamily="34" charset="0"/>
+            </a:endParaRPr>
           </a:p>
           <a:p>
             <a:endParaRPr lang="en-US" b="1" dirty="0"/>
@@ -9381,7 +9352,7 @@
           <a:lstStyle/>
           <a:p>
             <a:pPr marL="285750" indent="-285750">
-              <a:buFont typeface="Arial" pitchFamily="34" charset="0"/>
+              <a:buFont typeface="Arial" panose="020B0604020202090204" pitchFamily="34" charset="0"/>
               <a:buChar char="•"/>
             </a:pPr>
             <a:r>
@@ -9398,7 +9369,7 @@
           </a:p>
           <a:p>
             <a:pPr marL="285750" indent="-285750">
-              <a:buFont typeface="Arial" pitchFamily="34" charset="0"/>
+              <a:buFont typeface="Arial" panose="020B0604020202090204" pitchFamily="34" charset="0"/>
               <a:buChar char="•"/>
             </a:pPr>
             <a:endParaRPr lang="en-US" b="1" dirty="0">
@@ -9412,11 +9383,6 @@
         </p:txBody>
       </p:sp>
     </p:spTree>
-    <p:extLst>
-      <p:ext uri="{BB962C8B-B14F-4D97-AF65-F5344CB8AC3E}">
-        <p14:creationId xmlns:p14="http://schemas.microsoft.com/office/powerpoint/2010/main" val="130191454"/>
-      </p:ext>
-    </p:extLst>
   </p:cSld>
   <p:clrMapOvr>
     <a:masterClrMapping/>
@@ -9539,6 +9505,9 @@
               </a:rPr>
               <a:t>ES6 Map</a:t>
             </a:r>
+            <a:endParaRPr lang="en-US" sz="2400" dirty="0">
+              <a:latin typeface="Bahnschrift SemiBold Condensed" pitchFamily="34" charset="0"/>
+            </a:endParaRPr>
           </a:p>
           <a:p>
             <a:endParaRPr lang="en-US" b="1" dirty="0"/>
@@ -9568,7 +9537,7 @@
           <a:lstStyle/>
           <a:p>
             <a:pPr marL="285750" indent="-285750">
-              <a:buFont typeface="Arial" pitchFamily="34" charset="0"/>
+              <a:buFont typeface="Arial" panose="020B0604020202090204" pitchFamily="34" charset="0"/>
               <a:buChar char="•"/>
             </a:pPr>
             <a:r>
@@ -9578,10 +9547,14 @@
               </a:rPr>
               <a:t>delete(key)</a:t>
             </a:r>
+            <a:endParaRPr lang="en-US" b="1" dirty="0" smtClean="0">
+              <a:latin typeface="Bahnschrift Light Condensed" pitchFamily="34" charset="0"/>
+              <a:cs typeface="Hind Siliguri" pitchFamily="2" charset="0"/>
+            </a:endParaRPr>
           </a:p>
           <a:p>
             <a:pPr marL="285750" indent="-285750">
-              <a:buFont typeface="Arial" pitchFamily="34" charset="0"/>
+              <a:buFont typeface="Arial" panose="020B0604020202090204" pitchFamily="34" charset="0"/>
               <a:buChar char="•"/>
             </a:pPr>
             <a:r>
@@ -9591,10 +9564,14 @@
               </a:rPr>
               <a:t>get(key)</a:t>
             </a:r>
+            <a:endParaRPr lang="en-US" b="1" dirty="0" smtClean="0">
+              <a:latin typeface="Bahnschrift Light Condensed" pitchFamily="34" charset="0"/>
+              <a:cs typeface="Hind Siliguri" pitchFamily="2" charset="0"/>
+            </a:endParaRPr>
           </a:p>
           <a:p>
             <a:pPr marL="285750" indent="-285750">
-              <a:buFont typeface="Arial" pitchFamily="34" charset="0"/>
+              <a:buFont typeface="Arial" panose="020B0604020202090204" pitchFamily="34" charset="0"/>
               <a:buChar char="•"/>
             </a:pPr>
             <a:r>
@@ -9609,10 +9586,13 @@
               </a:rPr>
               <a:t>()</a:t>
             </a:r>
+            <a:endParaRPr lang="en-US" b="1" dirty="0" smtClean="0">
+              <a:latin typeface="Bahnschrift Light Condensed" pitchFamily="34" charset="0"/>
+            </a:endParaRPr>
           </a:p>
           <a:p>
             <a:pPr marL="285750" indent="-285750">
-              <a:buFont typeface="Arial" pitchFamily="34" charset="0"/>
+              <a:buFont typeface="Arial" panose="020B0604020202090204" pitchFamily="34" charset="0"/>
               <a:buChar char="•"/>
             </a:pPr>
             <a:r>
@@ -9621,10 +9601,13 @@
               </a:rPr>
               <a:t>has(key)</a:t>
             </a:r>
+            <a:endParaRPr lang="en-US" b="1" dirty="0" smtClean="0">
+              <a:latin typeface="Bahnschrift Light Condensed" pitchFamily="34" charset="0"/>
+            </a:endParaRPr>
           </a:p>
           <a:p>
             <a:pPr marL="285750" indent="-285750">
-              <a:buFont typeface="Arial" pitchFamily="34" charset="0"/>
+              <a:buFont typeface="Arial" panose="020B0604020202090204" pitchFamily="34" charset="0"/>
               <a:buChar char="•"/>
             </a:pPr>
             <a:endParaRPr lang="en-US" b="1" dirty="0"/>
@@ -9632,11 +9615,6 @@
         </p:txBody>
       </p:sp>
     </p:spTree>
-    <p:extLst>
-      <p:ext uri="{BB962C8B-B14F-4D97-AF65-F5344CB8AC3E}">
-        <p14:creationId xmlns:p14="http://schemas.microsoft.com/office/powerpoint/2010/main" val="3256495932"/>
-      </p:ext>
-    </p:extLst>
   </p:cSld>
   <p:clrMapOvr>
     <a:masterClrMapping/>
@@ -9797,7 +9775,7 @@
           <a:lstStyle/>
           <a:p>
             <a:pPr marL="285750" indent="-285750">
-              <a:buFont typeface="Arial" pitchFamily="34" charset="0"/>
+              <a:buFont typeface="Arial" panose="020B0604020202090204" pitchFamily="34" charset="0"/>
               <a:buChar char="•"/>
             </a:pPr>
             <a:r>
@@ -9807,10 +9785,14 @@
               </a:rPr>
               <a:t>Set is a collection of data</a:t>
             </a:r>
+            <a:endParaRPr lang="en-US" b="1" dirty="0" smtClean="0">
+              <a:latin typeface="Bahnschrift Light Condensed" pitchFamily="34" charset="0"/>
+              <a:cs typeface="Hind Siliguri" pitchFamily="2" charset="0"/>
+            </a:endParaRPr>
           </a:p>
           <a:p>
             <a:pPr marL="285750" indent="-285750">
-              <a:buFont typeface="Arial" pitchFamily="34" charset="0"/>
+              <a:buFont typeface="Arial" panose="020B0604020202090204" pitchFamily="34" charset="0"/>
               <a:buChar char="•"/>
             </a:pPr>
             <a:r>
@@ -9820,10 +9802,14 @@
               </a:rPr>
               <a:t>Set is almost like  array</a:t>
             </a:r>
+            <a:endParaRPr lang="en-US" b="1" dirty="0" smtClean="0">
+              <a:latin typeface="Bahnschrift Light Condensed" pitchFamily="34" charset="0"/>
+              <a:cs typeface="Hind Siliguri" pitchFamily="2" charset="0"/>
+            </a:endParaRPr>
           </a:p>
           <a:p>
             <a:pPr marL="285750" indent="-285750">
-              <a:buFont typeface="Arial" pitchFamily="34" charset="0"/>
+              <a:buFont typeface="Arial" panose="020B0604020202090204" pitchFamily="34" charset="0"/>
               <a:buChar char="•"/>
             </a:pPr>
             <a:r>
@@ -9844,7 +9830,7 @@
           </a:p>
           <a:p>
             <a:pPr marL="285750" indent="-285750">
-              <a:buFont typeface="Arial" pitchFamily="34" charset="0"/>
+              <a:buFont typeface="Arial" panose="020B0604020202090204" pitchFamily="34" charset="0"/>
               <a:buChar char="•"/>
             </a:pPr>
             <a:endParaRPr lang="en-US" b="1" dirty="0"/>
@@ -9860,7 +9846,7 @@
           <p:nvPr/>
         </p:nvPicPr>
         <p:blipFill>
-          <a:blip r:embed="rId2">
+          <a:blip r:embed="rId1">
             <a:extLst>
               <a:ext uri="{28A0092B-C50C-407E-A947-70E740481C1C}">
                 <a14:useLocalDpi xmlns:a14="http://schemas.microsoft.com/office/drawing/2010/main" val="0"/>
@@ -9919,7 +9905,7 @@
           <p:nvPr/>
         </p:nvPicPr>
         <p:blipFill>
-          <a:blip r:embed="rId3">
+          <a:blip r:embed="rId2">
             <a:extLst>
               <a:ext uri="{28A0092B-C50C-407E-A947-70E740481C1C}">
                 <a14:useLocalDpi xmlns:a14="http://schemas.microsoft.com/office/drawing/2010/main" val="0"/>
@@ -9970,11 +9956,6 @@
         </p:spPr>
       </p:pic>
     </p:spTree>
-    <p:extLst>
-      <p:ext uri="{BB962C8B-B14F-4D97-AF65-F5344CB8AC3E}">
-        <p14:creationId xmlns:p14="http://schemas.microsoft.com/office/powerpoint/2010/main" val="3424715141"/>
-      </p:ext>
-    </p:extLst>
   </p:cSld>
   <p:clrMapOvr>
     <a:masterClrMapping/>
@@ -10121,7 +10102,7 @@
           <p:nvPr/>
         </p:nvPicPr>
         <p:blipFill>
-          <a:blip r:embed="rId2">
+          <a:blip r:embed="rId1">
             <a:extLst>
               <a:ext uri="{28A0092B-C50C-407E-A947-70E740481C1C}">
                 <a14:useLocalDpi xmlns:a14="http://schemas.microsoft.com/office/drawing/2010/main" val="0"/>
@@ -10177,11 +10158,6 @@
         </p:spPr>
       </p:pic>
     </p:spTree>
-    <p:extLst>
-      <p:ext uri="{BB962C8B-B14F-4D97-AF65-F5344CB8AC3E}">
-        <p14:creationId xmlns:p14="http://schemas.microsoft.com/office/powerpoint/2010/main" val="329824737"/>
-      </p:ext>
-    </p:extLst>
   </p:cSld>
   <p:clrMapOvr>
     <a:masterClrMapping/>
@@ -10342,7 +10318,7 @@
           <a:lstStyle/>
           <a:p>
             <a:pPr marL="285750" indent="-285750">
-              <a:buFont typeface="Arial" pitchFamily="34" charset="0"/>
+              <a:buFont typeface="Arial" panose="020B0604020202090204" pitchFamily="34" charset="0"/>
               <a:buChar char="•"/>
             </a:pPr>
             <a:r>
@@ -10359,10 +10335,14 @@
               </a:rPr>
               <a:t>()</a:t>
             </a:r>
+            <a:endParaRPr lang="en-US" b="1" dirty="0" smtClean="0">
+              <a:latin typeface="Bahnschrift Condensed" pitchFamily="34" charset="0"/>
+              <a:cs typeface="Hind Siliguri" pitchFamily="2" charset="0"/>
+            </a:endParaRPr>
           </a:p>
           <a:p>
             <a:pPr marL="285750" indent="-285750">
-              <a:buFont typeface="Arial" pitchFamily="34" charset="0"/>
+              <a:buFont typeface="Arial" panose="020B0604020202090204" pitchFamily="34" charset="0"/>
               <a:buChar char="•"/>
             </a:pPr>
             <a:r>
@@ -10377,10 +10357,13 @@
               </a:rPr>
               <a:t>)</a:t>
             </a:r>
+            <a:endParaRPr lang="en-US" b="1" dirty="0" smtClean="0">
+              <a:latin typeface="Bahnschrift Condensed" pitchFamily="34" charset="0"/>
+            </a:endParaRPr>
           </a:p>
           <a:p>
             <a:pPr marL="285750" indent="-285750">
-              <a:buFont typeface="Arial" pitchFamily="34" charset="0"/>
+              <a:buFont typeface="Arial" panose="020B0604020202090204" pitchFamily="34" charset="0"/>
               <a:buChar char="•"/>
             </a:pPr>
             <a:r>
@@ -10395,10 +10378,13 @@
               </a:rPr>
               <a:t>)</a:t>
             </a:r>
+            <a:endParaRPr lang="en-US" b="1" dirty="0" smtClean="0">
+              <a:latin typeface="Bahnschrift Condensed" pitchFamily="34" charset="0"/>
+            </a:endParaRPr>
           </a:p>
           <a:p>
             <a:pPr marL="285750" indent="-285750">
-              <a:buFont typeface="Arial" pitchFamily="34" charset="0"/>
+              <a:buFont typeface="Arial" panose="020B0604020202090204" pitchFamily="34" charset="0"/>
               <a:buChar char="•"/>
             </a:pPr>
             <a:r>
@@ -10413,10 +10399,13 @@
               </a:rPr>
               <a:t>()</a:t>
             </a:r>
+            <a:endParaRPr lang="en-US" b="1" dirty="0" smtClean="0">
+              <a:latin typeface="Bahnschrift Condensed" pitchFamily="34" charset="0"/>
+            </a:endParaRPr>
           </a:p>
           <a:p>
             <a:pPr marL="285750" indent="-285750">
-              <a:buFont typeface="Arial" pitchFamily="34" charset="0"/>
+              <a:buFont typeface="Arial" panose="020B0604020202090204" pitchFamily="34" charset="0"/>
               <a:buChar char="•"/>
             </a:pPr>
             <a:r>
@@ -10432,11 +10421,6 @@
         </p:txBody>
       </p:sp>
     </p:spTree>
-    <p:extLst>
-      <p:ext uri="{BB962C8B-B14F-4D97-AF65-F5344CB8AC3E}">
-        <p14:creationId xmlns:p14="http://schemas.microsoft.com/office/powerpoint/2010/main" val="2000479312"/>
-      </p:ext>
-    </p:extLst>
   </p:cSld>
   <p:clrMapOvr>
     <a:masterClrMapping/>
@@ -10554,7 +10538,7 @@
           <a:lstStyle/>
           <a:p>
             <a:pPr marL="285750" indent="-285750">
-              <a:buFont typeface="Arial" pitchFamily="34" charset="0"/>
+              <a:buFont typeface="Arial" panose="020B0604020202090204" pitchFamily="34" charset="0"/>
               <a:buChar char="•"/>
             </a:pPr>
             <a:r>
@@ -10575,10 +10559,13 @@
               </a:rPr>
               <a:t>.</a:t>
             </a:r>
+            <a:endParaRPr lang="en-US" sz="2000" dirty="0" smtClean="0">
+              <a:latin typeface="Bahnschrift Light Condensed" pitchFamily="34" charset="0"/>
+            </a:endParaRPr>
           </a:p>
           <a:p>
             <a:pPr marL="285750" indent="-285750">
-              <a:buFont typeface="Arial" pitchFamily="34" charset="0"/>
+              <a:buFont typeface="Arial" panose="020B0604020202090204" pitchFamily="34" charset="0"/>
               <a:buChar char="•"/>
             </a:pPr>
             <a:r>
@@ -10593,10 +10580,13 @@
               </a:rPr>
               <a:t>keyword</a:t>
             </a:r>
+            <a:endParaRPr lang="en-US" sz="2000" dirty="0" smtClean="0">
+              <a:latin typeface="Bahnschrift Light Condensed" pitchFamily="34" charset="0"/>
+            </a:endParaRPr>
           </a:p>
           <a:p>
             <a:pPr marL="285750" indent="-285750">
-              <a:buFont typeface="Arial" pitchFamily="34" charset="0"/>
+              <a:buFont typeface="Arial" panose="020B0604020202090204" pitchFamily="34" charset="0"/>
               <a:buChar char="•"/>
             </a:pPr>
             <a:endParaRPr lang="en-US" sz="2000" dirty="0">
@@ -10628,7 +10618,7 @@
           <a:lstStyle/>
           <a:p>
             <a:r>
-              <a:rPr lang="bn-IN" sz="2000" dirty="0" smtClean="0">
+              <a:rPr lang="en-US" sz="2000" dirty="0" smtClean="0">
                 <a:latin typeface="Bahnschrift Light Condensed" pitchFamily="34" charset="0"/>
                 <a:cs typeface="Hind Siliguri" pitchFamily="2" charset="0"/>
               </a:rPr>
@@ -10640,7 +10630,7 @@
           </a:p>
           <a:p>
             <a:pPr marL="285750" indent="-285750">
-              <a:buFont typeface="Arial" pitchFamily="34" charset="0"/>
+              <a:buFont typeface="Arial" panose="020B0604020202090204" pitchFamily="34" charset="0"/>
               <a:buChar char="•"/>
             </a:pPr>
             <a:endParaRPr lang="en-US" sz="2000" dirty="0">
@@ -10650,11 +10640,6 @@
         </p:txBody>
       </p:sp>
     </p:spTree>
-    <p:extLst>
-      <p:ext uri="{BB962C8B-B14F-4D97-AF65-F5344CB8AC3E}">
-        <p14:creationId xmlns:p14="http://schemas.microsoft.com/office/powerpoint/2010/main" val="1025931824"/>
-      </p:ext>
-    </p:extLst>
   </p:cSld>
   <p:clrMapOvr>
     <a:masterClrMapping/>
@@ -11009,11 +10994,6 @@
         </p:txBody>
       </p:sp>
     </p:spTree>
-    <p:extLst>
-      <p:ext uri="{BB962C8B-B14F-4D97-AF65-F5344CB8AC3E}">
-        <p14:creationId xmlns:p14="http://schemas.microsoft.com/office/powerpoint/2010/main" val="3947067481"/>
-      </p:ext>
-    </p:extLst>
   </p:cSld>
   <p:clrMapOvr>
     <a:masterClrMapping/>
@@ -11290,7 +11270,7 @@
           <a:lstStyle/>
           <a:p>
             <a:pPr marL="342900" indent="-342900">
-              <a:buFont typeface="Arial" pitchFamily="34" charset="0"/>
+              <a:buFont typeface="Arial" panose="020B0604020202090204" pitchFamily="34" charset="0"/>
               <a:buChar char="•"/>
             </a:pPr>
             <a:r>
@@ -11305,117 +11285,126 @@
                 <a:latin typeface="Hind Siliguri" pitchFamily="2" charset="0"/>
                 <a:cs typeface="Hind Siliguri" pitchFamily="2" charset="0"/>
               </a:rPr>
-              <a:t> </a:t>
-            </a:r>
-            <a:r>
-              <a:rPr lang="bn-IN" sz="2000" dirty="0" smtClean="0">
-                <a:latin typeface="Hind Siliguri" pitchFamily="2" charset="0"/>
-                <a:cs typeface="Hind Siliguri" pitchFamily="2" charset="0"/>
-              </a:rPr>
-              <a:t>হচ্ছে ক্লাসের </a:t>
-            </a:r>
-            <a:r>
-              <a:rPr lang="bn-IN" sz="2000" dirty="0">
-                <a:latin typeface="Hind Siliguri" pitchFamily="2" charset="0"/>
-                <a:cs typeface="Hind Siliguri" pitchFamily="2" charset="0"/>
-              </a:rPr>
-              <a:t>নিজেস্ব </a:t>
-            </a:r>
-            <a:r>
-              <a:rPr lang="bn-IN" sz="2000" dirty="0" smtClean="0">
-                <a:latin typeface="Hind Siliguri" pitchFamily="2" charset="0"/>
-                <a:cs typeface="Hind Siliguri" pitchFamily="2" charset="0"/>
-              </a:rPr>
-              <a:t>মেথড/ফাংশন </a:t>
-            </a:r>
-          </a:p>
-          <a:p>
-            <a:pPr marL="342900" indent="-342900">
-              <a:buFont typeface="Arial" pitchFamily="34" charset="0"/>
-              <a:buChar char="•"/>
-            </a:pPr>
-            <a:r>
-              <a:rPr lang="bn-IN" sz="2000" dirty="0" smtClean="0">
-                <a:latin typeface="Hind Siliguri" pitchFamily="2" charset="0"/>
-                <a:cs typeface="Hind Siliguri" pitchFamily="2" charset="0"/>
-              </a:rPr>
-              <a:t>ক্লাস অবজেক্ট তৈরি হলেই, </a:t>
+              <a:t> হচ্ছে ক্লাসের </a:t>
             </a:r>
             <a:r>
               <a:rPr lang="en-US" sz="2000" dirty="0">
                 <a:latin typeface="Hind Siliguri" pitchFamily="2" charset="0"/>
                 <a:cs typeface="Hind Siliguri" pitchFamily="2" charset="0"/>
               </a:rPr>
-              <a:t>Constructor</a:t>
-            </a:r>
-            <a:r>
-              <a:rPr lang="bn-IN" sz="2000" dirty="0" smtClean="0">
+              <a:t>নিজেস্ব </a:t>
+            </a:r>
+            <a:r>
+              <a:rPr lang="en-US" sz="2000" dirty="0" smtClean="0">
                 <a:latin typeface="Hind Siliguri" pitchFamily="2" charset="0"/>
                 <a:cs typeface="Hind Siliguri" pitchFamily="2" charset="0"/>
               </a:rPr>
-              <a:t> অটো কল হয় </a:t>
-            </a:r>
+              <a:t>মেথড/ফাংশন </a:t>
+            </a:r>
+            <a:endParaRPr lang="en-US" sz="2000" dirty="0" smtClean="0">
+              <a:latin typeface="Hind Siliguri" pitchFamily="2" charset="0"/>
+              <a:cs typeface="Hind Siliguri" pitchFamily="2" charset="0"/>
+            </a:endParaRPr>
           </a:p>
           <a:p>
             <a:pPr marL="342900" indent="-342900">
-              <a:buFont typeface="Arial" pitchFamily="34" charset="0"/>
+              <a:buFont typeface="Arial" panose="020B0604020202090204" pitchFamily="34" charset="0"/>
               <a:buChar char="•"/>
             </a:pPr>
             <a:r>
-              <a:rPr lang="bn-IN" sz="2000" dirty="0" smtClean="0">
+              <a:rPr lang="en-US" sz="2000" dirty="0" smtClean="0">
                 <a:latin typeface="Hind Siliguri" pitchFamily="2" charset="0"/>
                 <a:cs typeface="Hind Siliguri" pitchFamily="2" charset="0"/>
               </a:rPr>
-              <a:t>অন্য ফাংশনের মতোই </a:t>
+              <a:t>ক্লাস অবজেক্ট তৈরি হলেই, </a:t>
             </a:r>
             <a:r>
               <a:rPr lang="en-US" sz="2000" dirty="0">
                 <a:latin typeface="Hind Siliguri" pitchFamily="2" charset="0"/>
                 <a:cs typeface="Hind Siliguri" pitchFamily="2" charset="0"/>
               </a:rPr>
-              <a:t>Constructor </a:t>
-            </a:r>
-            <a:r>
-              <a:rPr lang="bn-IN" sz="2000" dirty="0" smtClean="0">
+              <a:t>Constructor</a:t>
+            </a:r>
+            <a:r>
+              <a:rPr lang="en-US" sz="2000" dirty="0" smtClean="0">
                 <a:latin typeface="Hind Siliguri" pitchFamily="2" charset="0"/>
                 <a:cs typeface="Hind Siliguri" pitchFamily="2" charset="0"/>
               </a:rPr>
-              <a:t>কাজ করে </a:t>
-            </a:r>
+              <a:t> অটো কল হয় </a:t>
+            </a:r>
+            <a:endParaRPr lang="en-US" sz="2000" dirty="0" smtClean="0">
+              <a:latin typeface="Hind Siliguri" pitchFamily="2" charset="0"/>
+              <a:cs typeface="Hind Siliguri" pitchFamily="2" charset="0"/>
+            </a:endParaRPr>
           </a:p>
           <a:p>
             <a:pPr marL="342900" indent="-342900">
-              <a:buFont typeface="Arial" pitchFamily="34" charset="0"/>
+              <a:buFont typeface="Arial" panose="020B0604020202090204" pitchFamily="34" charset="0"/>
               <a:buChar char="•"/>
             </a:pPr>
             <a:r>
-              <a:rPr lang="bn-IN" sz="2000" dirty="0" smtClean="0">
+              <a:rPr lang="en-US" sz="2000" dirty="0" smtClean="0">
                 <a:latin typeface="Hind Siliguri" pitchFamily="2" charset="0"/>
                 <a:cs typeface="Hind Siliguri" pitchFamily="2" charset="0"/>
               </a:rPr>
-              <a:t>কিন্তু </a:t>
+              <a:t>অন্য ফাংশনের মতোই </a:t>
             </a:r>
             <a:r>
               <a:rPr lang="en-US" sz="2000" dirty="0">
                 <a:latin typeface="Hind Siliguri" pitchFamily="2" charset="0"/>
                 <a:cs typeface="Hind Siliguri" pitchFamily="2" charset="0"/>
               </a:rPr>
-              <a:t>Constructor</a:t>
-            </a:r>
-            <a:r>
-              <a:rPr lang="bn-IN" sz="2000" dirty="0" smtClean="0">
+              <a:t>Constructor </a:t>
+            </a:r>
+            <a:r>
+              <a:rPr lang="en-US" sz="2000" dirty="0" smtClean="0">
                 <a:latin typeface="Hind Siliguri" pitchFamily="2" charset="0"/>
                 <a:cs typeface="Hind Siliguri" pitchFamily="2" charset="0"/>
               </a:rPr>
-              <a:t> </a:t>
-            </a:r>
-            <a:r>
-              <a:rPr lang="bn-IN" sz="2000" dirty="0">
+              <a:t>কাজ করে </a:t>
+            </a:r>
+            <a:endParaRPr lang="en-US" sz="2000" dirty="0" smtClean="0">
+              <a:latin typeface="Hind Siliguri" pitchFamily="2" charset="0"/>
+              <a:cs typeface="Hind Siliguri" pitchFamily="2" charset="0"/>
+            </a:endParaRPr>
+          </a:p>
+          <a:p>
+            <a:pPr marL="342900" indent="-342900">
+              <a:buFont typeface="Arial" panose="020B0604020202090204" pitchFamily="34" charset="0"/>
+              <a:buChar char="•"/>
+            </a:pPr>
+            <a:r>
+              <a:rPr lang="en-US" sz="2000" dirty="0" smtClean="0">
                 <a:latin typeface="Hind Siliguri" pitchFamily="2" charset="0"/>
                 <a:cs typeface="Hind Siliguri" pitchFamily="2" charset="0"/>
               </a:rPr>
+              <a:t>কিন্তু </a:t>
+            </a:r>
+            <a:r>
+              <a:rPr lang="en-US" sz="2000" dirty="0">
+                <a:latin typeface="Hind Siliguri" pitchFamily="2" charset="0"/>
+                <a:cs typeface="Hind Siliguri" pitchFamily="2" charset="0"/>
+              </a:rPr>
+              <a:t>Constructor</a:t>
+            </a:r>
+            <a:r>
+              <a:rPr lang="en-US" sz="2000" dirty="0" smtClean="0">
+                <a:latin typeface="Hind Siliguri" pitchFamily="2" charset="0"/>
+                <a:cs typeface="Hind Siliguri" pitchFamily="2" charset="0"/>
+              </a:rPr>
+              <a:t> </a:t>
+            </a:r>
+            <a:r>
+              <a:rPr lang="en-US" sz="2000" dirty="0">
+                <a:latin typeface="Hind Siliguri" pitchFamily="2" charset="0"/>
+                <a:cs typeface="Hind Siliguri" pitchFamily="2" charset="0"/>
+              </a:rPr>
               <a:t>রিটার্ন করতে পারে না </a:t>
             </a:r>
+            <a:endParaRPr lang="en-US" sz="2000" dirty="0">
+              <a:latin typeface="Hind Siliguri" pitchFamily="2" charset="0"/>
+              <a:cs typeface="Hind Siliguri" pitchFamily="2" charset="0"/>
+            </a:endParaRPr>
           </a:p>
           <a:p>
             <a:endParaRPr lang="en-US" sz="2000" dirty="0">
@@ -11425,11 +11414,6 @@
         </p:txBody>
       </p:sp>
     </p:spTree>
-    <p:extLst>
-      <p:ext uri="{BB962C8B-B14F-4D97-AF65-F5344CB8AC3E}">
-        <p14:creationId xmlns:p14="http://schemas.microsoft.com/office/powerpoint/2010/main" val="1774977188"/>
-      </p:ext>
-    </p:extLst>
   </p:cSld>
   <p:clrMapOvr>
     <a:masterClrMapping/>
@@ -12013,11 +11997,6 @@
         </p:txBody>
       </p:sp>
     </p:spTree>
-    <p:extLst>
-      <p:ext uri="{BB962C8B-B14F-4D97-AF65-F5344CB8AC3E}">
-        <p14:creationId xmlns:p14="http://schemas.microsoft.com/office/powerpoint/2010/main" val="4171815272"/>
-      </p:ext>
-    </p:extLst>
   </p:cSld>
   <p:clrMapOvr>
     <a:masterClrMapping/>
@@ -12106,7 +12085,7 @@
           <a:lstStyle/>
           <a:p>
             <a:pPr marL="285750" indent="-285750">
-              <a:buFont typeface="Arial" pitchFamily="34" charset="0"/>
+              <a:buFont typeface="Arial" panose="020B0604020202090204" pitchFamily="34" charset="0"/>
               <a:buChar char="•"/>
             </a:pPr>
             <a:r>
@@ -12115,10 +12094,13 @@
               </a:rPr>
               <a:t>For React JS</a:t>
             </a:r>
+            <a:endParaRPr lang="en-US" dirty="0" smtClean="0">
+              <a:latin typeface="Bahnschrift Light Condensed" pitchFamily="34" charset="0"/>
+            </a:endParaRPr>
           </a:p>
           <a:p>
             <a:pPr marL="285750" indent="-285750">
-              <a:buFont typeface="Arial" pitchFamily="34" charset="0"/>
+              <a:buFont typeface="Arial" panose="020B0604020202090204" pitchFamily="34" charset="0"/>
               <a:buChar char="•"/>
             </a:pPr>
             <a:r>
@@ -12127,10 +12109,13 @@
               </a:rPr>
               <a:t>For React Native</a:t>
             </a:r>
+            <a:endParaRPr lang="en-US" dirty="0" smtClean="0">
+              <a:latin typeface="Bahnschrift Light Condensed" pitchFamily="34" charset="0"/>
+            </a:endParaRPr>
           </a:p>
           <a:p>
             <a:pPr marL="285750" indent="-285750">
-              <a:buFont typeface="Arial" pitchFamily="34" charset="0"/>
+              <a:buFont typeface="Arial" panose="020B0604020202090204" pitchFamily="34" charset="0"/>
               <a:buChar char="•"/>
             </a:pPr>
             <a:r>
@@ -12163,10 +12148,13 @@
               </a:rPr>
               <a:t> </a:t>
             </a:r>
+            <a:endParaRPr lang="en-US" dirty="0" smtClean="0">
+              <a:latin typeface="Bahnschrift Light Condensed" pitchFamily="34" charset="0"/>
+            </a:endParaRPr>
           </a:p>
           <a:p>
             <a:pPr marL="285750" indent="-285750">
-              <a:buFont typeface="Arial" pitchFamily="34" charset="0"/>
+              <a:buFont typeface="Arial" panose="020B0604020202090204" pitchFamily="34" charset="0"/>
               <a:buChar char="•"/>
             </a:pPr>
             <a:r>
@@ -12175,10 +12163,13 @@
               </a:rPr>
               <a:t>For Electron JS</a:t>
             </a:r>
+            <a:endParaRPr lang="en-US" dirty="0" smtClean="0">
+              <a:latin typeface="Bahnschrift Light Condensed" pitchFamily="34" charset="0"/>
+            </a:endParaRPr>
           </a:p>
           <a:p>
             <a:pPr marL="285750" indent="-285750">
-              <a:buFont typeface="Arial" pitchFamily="34" charset="0"/>
+              <a:buFont typeface="Arial" panose="020B0604020202090204" pitchFamily="34" charset="0"/>
               <a:buChar char="•"/>
             </a:pPr>
             <a:r>
@@ -12187,15 +12178,13 @@
               </a:rPr>
               <a:t>Or Any Node.js dependent development </a:t>
             </a:r>
+            <a:endParaRPr lang="en-US" dirty="0" smtClean="0">
+              <a:latin typeface="Bahnschrift Light Condensed" pitchFamily="34" charset="0"/>
+            </a:endParaRPr>
           </a:p>
         </p:txBody>
       </p:sp>
     </p:spTree>
-    <p:extLst>
-      <p:ext uri="{BB962C8B-B14F-4D97-AF65-F5344CB8AC3E}">
-        <p14:creationId xmlns:p14="http://schemas.microsoft.com/office/powerpoint/2010/main" val="3251293146"/>
-      </p:ext>
-    </p:extLst>
   </p:cSld>
   <p:clrMapOvr>
     <a:masterClrMapping/>
@@ -12627,11 +12616,6 @@
         </p:grpSp>
       </p:grpSp>
     </p:spTree>
-    <p:extLst>
-      <p:ext uri="{BB962C8B-B14F-4D97-AF65-F5344CB8AC3E}">
-        <p14:creationId xmlns:p14="http://schemas.microsoft.com/office/powerpoint/2010/main" val="2063874924"/>
-      </p:ext>
-    </p:extLst>
   </p:cSld>
   <p:clrMapOvr>
     <a:masterClrMapping/>
@@ -13177,11 +13161,6 @@
         </p:cxnSp>
       </p:grpSp>
     </p:spTree>
-    <p:extLst>
-      <p:ext uri="{BB962C8B-B14F-4D97-AF65-F5344CB8AC3E}">
-        <p14:creationId xmlns:p14="http://schemas.microsoft.com/office/powerpoint/2010/main" val="3182420700"/>
-      </p:ext>
-    </p:extLst>
   </p:cSld>
   <p:clrMapOvr>
     <a:masterClrMapping/>
@@ -13634,11 +13613,6 @@
         </p:sp>
       </p:grpSp>
     </p:spTree>
-    <p:extLst>
-      <p:ext uri="{BB962C8B-B14F-4D97-AF65-F5344CB8AC3E}">
-        <p14:creationId xmlns:p14="http://schemas.microsoft.com/office/powerpoint/2010/main" val="2102648204"/>
-      </p:ext>
-    </p:extLst>
   </p:cSld>
   <p:clrMapOvr>
     <a:masterClrMapping/>
@@ -14085,23 +14059,26 @@
           <a:lstStyle/>
           <a:p>
             <a:pPr marL="342900" indent="-342900">
-              <a:buFont typeface="Arial" pitchFamily="34" charset="0"/>
+              <a:buFont typeface="Arial" panose="020B0604020202090204" pitchFamily="34" charset="0"/>
               <a:buChar char="•"/>
             </a:pPr>
             <a:r>
-              <a:rPr lang="bn-IN" dirty="0" smtClean="0">
+              <a:rPr lang="en-US" dirty="0" smtClean="0">
                 <a:latin typeface="Bahnschrift Light Condensed" pitchFamily="34" charset="0"/>
               </a:rPr>
               <a:t>বাবার ক্ষমতা </a:t>
             </a:r>
+            <a:endParaRPr lang="en-US" dirty="0" smtClean="0">
+              <a:latin typeface="Bahnschrift Light Condensed" pitchFamily="34" charset="0"/>
+            </a:endParaRPr>
           </a:p>
           <a:p>
             <a:pPr marL="342900" indent="-342900">
-              <a:buFont typeface="Arial" pitchFamily="34" charset="0"/>
+              <a:buFont typeface="Arial" panose="020B0604020202090204" pitchFamily="34" charset="0"/>
               <a:buChar char="•"/>
             </a:pPr>
             <a:r>
-              <a:rPr lang="bn-IN" dirty="0" smtClean="0">
+              <a:rPr lang="en-US" dirty="0" smtClean="0">
                 <a:latin typeface="Bahnschrift Light Condensed" pitchFamily="34" charset="0"/>
               </a:rPr>
               <a:t>ছেলের ক্ষমতা  </a:t>
@@ -14113,11 +14090,6 @@
         </p:txBody>
       </p:sp>
     </p:spTree>
-    <p:extLst>
-      <p:ext uri="{BB962C8B-B14F-4D97-AF65-F5344CB8AC3E}">
-        <p14:creationId xmlns:p14="http://schemas.microsoft.com/office/powerpoint/2010/main" val="4256753379"/>
-      </p:ext>
-    </p:extLst>
   </p:cSld>
   <p:clrMapOvr>
     <a:masterClrMapping/>
@@ -14343,11 +14315,6 @@
         </p:txBody>
       </p:sp>
     </p:spTree>
-    <p:extLst>
-      <p:ext uri="{BB962C8B-B14F-4D97-AF65-F5344CB8AC3E}">
-        <p14:creationId xmlns:p14="http://schemas.microsoft.com/office/powerpoint/2010/main" val="1532002048"/>
-      </p:ext>
-    </p:extLst>
   </p:cSld>
   <p:clrMapOvr>
     <a:masterClrMapping/>
@@ -14436,7 +14403,7 @@
           <a:lstStyle/>
           <a:p>
             <a:pPr marL="342900" indent="-342900">
-              <a:buFont typeface="Arial" pitchFamily="34" charset="0"/>
+              <a:buFont typeface="Arial" panose="020B0604020202090204" pitchFamily="34" charset="0"/>
               <a:buChar char="•"/>
             </a:pPr>
             <a:r>
@@ -14444,14 +14411,7 @@
                 <a:latin typeface="Hind Siliguri" pitchFamily="2" charset="0"/>
                 <a:cs typeface="Hind Siliguri" pitchFamily="2" charset="0"/>
               </a:rPr>
-              <a:t>Module – </a:t>
-            </a:r>
-            <a:r>
-              <a:rPr lang="bn-IN" sz="2000" dirty="0">
-                <a:latin typeface="Hind Siliguri" pitchFamily="2" charset="0"/>
-                <a:cs typeface="Hind Siliguri" pitchFamily="2" charset="0"/>
-              </a:rPr>
-              <a:t>জোট,একত্রিত কিছু  </a:t>
+              <a:t>Module – জোট,একত্রিত কিছু  </a:t>
             </a:r>
             <a:endParaRPr lang="en-US" sz="2000" dirty="0" smtClean="0">
               <a:latin typeface="Hind Siliguri" pitchFamily="2" charset="0"/>
@@ -14460,7 +14420,7 @@
           </a:p>
           <a:p>
             <a:pPr marL="342900" indent="-342900">
-              <a:buFont typeface="Arial" pitchFamily="34" charset="0"/>
+              <a:buFont typeface="Arial" panose="020B0604020202090204" pitchFamily="34" charset="0"/>
               <a:buChar char="•"/>
             </a:pPr>
             <a:r>
@@ -14470,10 +14430,14 @@
               </a:rPr>
               <a:t>ES6 Module Export – ES6 Module Import</a:t>
             </a:r>
+            <a:endParaRPr lang="en-US" sz="2000" dirty="0" smtClean="0">
+              <a:latin typeface="Hind Siliguri" pitchFamily="2" charset="0"/>
+              <a:cs typeface="Hind Siliguri" pitchFamily="2" charset="0"/>
+            </a:endParaRPr>
           </a:p>
           <a:p>
             <a:pPr marL="342900" indent="-342900">
-              <a:buFont typeface="Arial" pitchFamily="34" charset="0"/>
+              <a:buFont typeface="Arial" panose="020B0604020202090204" pitchFamily="34" charset="0"/>
               <a:buChar char="•"/>
             </a:pPr>
             <a:r>
@@ -14490,10 +14454,14 @@
               </a:rPr>
               <a:t>code</a:t>
             </a:r>
+            <a:endParaRPr lang="en-US" sz="2000" dirty="0" smtClean="0">
+              <a:latin typeface="Hind Siliguri" pitchFamily="2" charset="0"/>
+              <a:cs typeface="Hind Siliguri" pitchFamily="2" charset="0"/>
+            </a:endParaRPr>
           </a:p>
           <a:p>
             <a:pPr marL="342900" indent="-342900">
-              <a:buFont typeface="Arial" pitchFamily="34" charset="0"/>
+              <a:buFont typeface="Arial" panose="020B0604020202090204" pitchFamily="34" charset="0"/>
               <a:buChar char="•"/>
             </a:pPr>
             <a:r>
@@ -14517,10 +14485,14 @@
               </a:rPr>
               <a:t>code</a:t>
             </a:r>
+            <a:endParaRPr lang="en-US" sz="2000" dirty="0" smtClean="0">
+              <a:latin typeface="Hind Siliguri" pitchFamily="2" charset="0"/>
+              <a:cs typeface="Hind Siliguri" pitchFamily="2" charset="0"/>
+            </a:endParaRPr>
           </a:p>
           <a:p>
             <a:pPr marL="342900" indent="-342900">
-              <a:buFont typeface="Arial" pitchFamily="34" charset="0"/>
+              <a:buFont typeface="Arial" panose="020B0604020202090204" pitchFamily="34" charset="0"/>
               <a:buChar char="•"/>
             </a:pPr>
             <a:r>
@@ -14537,15 +14509,14 @@
               </a:rPr>
               <a:t>the piece of code </a:t>
             </a:r>
+            <a:endParaRPr lang="en-US" sz="2000" dirty="0">
+              <a:latin typeface="Hind Siliguri" pitchFamily="2" charset="0"/>
+              <a:cs typeface="Hind Siliguri" pitchFamily="2" charset="0"/>
+            </a:endParaRPr>
           </a:p>
         </p:txBody>
       </p:sp>
     </p:spTree>
-    <p:extLst>
-      <p:ext uri="{BB962C8B-B14F-4D97-AF65-F5344CB8AC3E}">
-        <p14:creationId xmlns:p14="http://schemas.microsoft.com/office/powerpoint/2010/main" val="2982774161"/>
-      </p:ext>
-    </p:extLst>
   </p:cSld>
   <p:clrMapOvr>
     <a:masterClrMapping/>
@@ -15232,7 +15203,7 @@
           <a:lstStyle/>
           <a:p>
             <a:pPr marL="342900" indent="-342900">
-              <a:buFont typeface="Arial" pitchFamily="34" charset="0"/>
+              <a:buFont typeface="Arial" panose="020B0604020202090204" pitchFamily="34" charset="0"/>
               <a:buChar char="•"/>
             </a:pPr>
             <a:r>
@@ -15242,10 +15213,14 @@
               </a:rPr>
               <a:t>Named : Export-Import By Using Same Name</a:t>
             </a:r>
+            <a:endParaRPr lang="en-US" sz="2000" dirty="0" smtClean="0">
+              <a:latin typeface="Hind Siliguri" pitchFamily="2" charset="0"/>
+              <a:cs typeface="Hind Siliguri" pitchFamily="2" charset="0"/>
+            </a:endParaRPr>
           </a:p>
           <a:p>
             <a:pPr marL="342900" indent="-342900">
-              <a:buFont typeface="Arial" pitchFamily="34" charset="0"/>
+              <a:buFont typeface="Arial" panose="020B0604020202090204" pitchFamily="34" charset="0"/>
               <a:buChar char="•"/>
             </a:pPr>
             <a:r>
@@ -15285,7 +15260,7 @@
           <a:lstStyle/>
           <a:p>
             <a:pPr marL="342900" indent="-342900">
-              <a:buFont typeface="Arial" pitchFamily="34" charset="0"/>
+              <a:buFont typeface="Arial" panose="020B0604020202090204" pitchFamily="34" charset="0"/>
               <a:buChar char="•"/>
             </a:pPr>
             <a:r>
@@ -15295,10 +15270,14 @@
               </a:rPr>
               <a:t>Class Export</a:t>
             </a:r>
+            <a:endParaRPr lang="en-US" sz="2000" dirty="0" smtClean="0">
+              <a:latin typeface="Hind Siliguri" pitchFamily="2" charset="0"/>
+              <a:cs typeface="Hind Siliguri" pitchFamily="2" charset="0"/>
+            </a:endParaRPr>
           </a:p>
           <a:p>
             <a:pPr marL="342900" indent="-342900">
-              <a:buFont typeface="Arial" pitchFamily="34" charset="0"/>
+              <a:buFont typeface="Arial" panose="020B0604020202090204" pitchFamily="34" charset="0"/>
               <a:buChar char="•"/>
             </a:pPr>
             <a:r>
@@ -15308,10 +15287,14 @@
               </a:rPr>
               <a:t>Function Export</a:t>
             </a:r>
+            <a:endParaRPr lang="en-US" sz="2000" dirty="0" smtClean="0">
+              <a:latin typeface="Hind Siliguri" pitchFamily="2" charset="0"/>
+              <a:cs typeface="Hind Siliguri" pitchFamily="2" charset="0"/>
+            </a:endParaRPr>
           </a:p>
           <a:p>
             <a:pPr marL="342900" indent="-342900">
-              <a:buFont typeface="Arial" pitchFamily="34" charset="0"/>
+              <a:buFont typeface="Arial" panose="020B0604020202090204" pitchFamily="34" charset="0"/>
               <a:buChar char="•"/>
             </a:pPr>
             <a:r>
@@ -15351,7 +15334,7 @@
           <a:lstStyle/>
           <a:p>
             <a:pPr marL="342900" indent="-342900">
-              <a:buFont typeface="Arial" pitchFamily="34" charset="0"/>
+              <a:buFont typeface="Arial" panose="020B0604020202090204" pitchFamily="34" charset="0"/>
               <a:buChar char="•"/>
             </a:pPr>
             <a:r>
@@ -15361,10 +15344,14 @@
               </a:rPr>
               <a:t>Class Import</a:t>
             </a:r>
+            <a:endParaRPr lang="en-US" sz="2000" dirty="0" smtClean="0">
+              <a:latin typeface="Hind Siliguri" pitchFamily="2" charset="0"/>
+              <a:cs typeface="Hind Siliguri" pitchFamily="2" charset="0"/>
+            </a:endParaRPr>
           </a:p>
           <a:p>
             <a:pPr marL="342900" indent="-342900">
-              <a:buFont typeface="Arial" pitchFamily="34" charset="0"/>
+              <a:buFont typeface="Arial" panose="020B0604020202090204" pitchFamily="34" charset="0"/>
               <a:buChar char="•"/>
             </a:pPr>
             <a:r>
@@ -15374,10 +15361,14 @@
               </a:rPr>
               <a:t>Function Import</a:t>
             </a:r>
+            <a:endParaRPr lang="en-US" sz="2000" dirty="0" smtClean="0">
+              <a:latin typeface="Hind Siliguri" pitchFamily="2" charset="0"/>
+              <a:cs typeface="Hind Siliguri" pitchFamily="2" charset="0"/>
+            </a:endParaRPr>
           </a:p>
           <a:p>
             <a:pPr marL="342900" indent="-342900">
-              <a:buFont typeface="Arial" pitchFamily="34" charset="0"/>
+              <a:buFont typeface="Arial" panose="020B0604020202090204" pitchFamily="34" charset="0"/>
               <a:buChar char="•"/>
             </a:pPr>
             <a:r>
@@ -15395,11 +15386,6 @@
         </p:txBody>
       </p:sp>
     </p:spTree>
-    <p:extLst>
-      <p:ext uri="{BB962C8B-B14F-4D97-AF65-F5344CB8AC3E}">
-        <p14:creationId xmlns:p14="http://schemas.microsoft.com/office/powerpoint/2010/main" val="834182437"/>
-      </p:ext>
-    </p:extLst>
   </p:cSld>
   <p:clrMapOvr>
     <a:masterClrMapping/>
@@ -15813,7 +15799,7 @@
           <a:lstStyle/>
           <a:p>
             <a:pPr marL="285750" indent="-285750">
-              <a:buFont typeface="Arial" pitchFamily="34" charset="0"/>
+              <a:buFont typeface="Arial" panose="020B0604020202090204" pitchFamily="34" charset="0"/>
               <a:buChar char="•"/>
             </a:pPr>
             <a:r>
@@ -15822,10 +15808,13 @@
               </a:rPr>
               <a:t>ES6 Basic’s</a:t>
             </a:r>
+            <a:endParaRPr lang="en-US" dirty="0" smtClean="0">
+              <a:latin typeface="Bahnschrift Light Condensed" pitchFamily="34" charset="0"/>
+            </a:endParaRPr>
           </a:p>
           <a:p>
             <a:pPr marL="285750" indent="-285750">
-              <a:buFont typeface="Arial" pitchFamily="34" charset="0"/>
+              <a:buFont typeface="Arial" panose="020B0604020202090204" pitchFamily="34" charset="0"/>
               <a:buChar char="•"/>
             </a:pPr>
             <a:r>
@@ -15834,10 +15823,13 @@
               </a:rPr>
               <a:t>ES6 Function’s</a:t>
             </a:r>
+            <a:endParaRPr lang="en-US" dirty="0" smtClean="0">
+              <a:latin typeface="Bahnschrift Light Condensed" pitchFamily="34" charset="0"/>
+            </a:endParaRPr>
           </a:p>
           <a:p>
             <a:pPr marL="285750" indent="-285750">
-              <a:buFont typeface="Arial" pitchFamily="34" charset="0"/>
+              <a:buFont typeface="Arial" panose="020B0604020202090204" pitchFamily="34" charset="0"/>
               <a:buChar char="•"/>
             </a:pPr>
             <a:r>
@@ -15846,10 +15838,13 @@
               </a:rPr>
               <a:t>ES6 Array’s</a:t>
             </a:r>
+            <a:endParaRPr lang="en-US" dirty="0" smtClean="0">
+              <a:latin typeface="Bahnschrift Light Condensed" pitchFamily="34" charset="0"/>
+            </a:endParaRPr>
           </a:p>
           <a:p>
             <a:pPr marL="285750" indent="-285750">
-              <a:buFont typeface="Arial" pitchFamily="34" charset="0"/>
+              <a:buFont typeface="Arial" panose="020B0604020202090204" pitchFamily="34" charset="0"/>
               <a:buChar char="•"/>
             </a:pPr>
             <a:r>
@@ -15864,10 +15859,13 @@
               </a:rPr>
               <a:t> Object</a:t>
             </a:r>
+            <a:endParaRPr lang="en-US" dirty="0" smtClean="0">
+              <a:latin typeface="Bahnschrift Light Condensed" pitchFamily="34" charset="0"/>
+            </a:endParaRPr>
           </a:p>
           <a:p>
             <a:pPr marL="285750" indent="-285750">
-              <a:buFont typeface="Arial" pitchFamily="34" charset="0"/>
+              <a:buFont typeface="Arial" panose="020B0604020202090204" pitchFamily="34" charset="0"/>
               <a:buChar char="•"/>
             </a:pPr>
             <a:r>
@@ -15876,10 +15874,13 @@
               </a:rPr>
               <a:t>ES6 Class</a:t>
             </a:r>
+            <a:endParaRPr lang="en-US" dirty="0" smtClean="0">
+              <a:latin typeface="Bahnschrift Light Condensed" pitchFamily="34" charset="0"/>
+            </a:endParaRPr>
           </a:p>
           <a:p>
             <a:pPr marL="285750" indent="-285750">
-              <a:buFont typeface="Arial" pitchFamily="34" charset="0"/>
+              <a:buFont typeface="Arial" panose="020B0604020202090204" pitchFamily="34" charset="0"/>
               <a:buChar char="•"/>
             </a:pPr>
             <a:r>
@@ -15894,10 +15895,13 @@
               </a:rPr>
               <a:t>String</a:t>
             </a:r>
+            <a:endParaRPr lang="en-US" dirty="0" smtClean="0">
+              <a:latin typeface="Bahnschrift Light Condensed" pitchFamily="34" charset="0"/>
+            </a:endParaRPr>
           </a:p>
           <a:p>
             <a:pPr marL="285750" indent="-285750">
-              <a:buFont typeface="Arial" pitchFamily="34" charset="0"/>
+              <a:buFont typeface="Arial" panose="020B0604020202090204" pitchFamily="34" charset="0"/>
               <a:buChar char="•"/>
             </a:pPr>
             <a:r>
@@ -15918,7 +15922,7 @@
           </a:p>
           <a:p>
             <a:pPr marL="285750" indent="-285750">
-              <a:buFont typeface="Arial" pitchFamily="34" charset="0"/>
+              <a:buFont typeface="Arial" panose="020B0604020202090204" pitchFamily="34" charset="0"/>
               <a:buChar char="•"/>
             </a:pPr>
             <a:endParaRPr lang="en-US" dirty="0" smtClean="0">
@@ -15927,7 +15931,7 @@
           </a:p>
           <a:p>
             <a:pPr marL="285750" indent="-285750">
-              <a:buFont typeface="Arial" pitchFamily="34" charset="0"/>
+              <a:buFont typeface="Arial" panose="020B0604020202090204" pitchFamily="34" charset="0"/>
               <a:buChar char="•"/>
             </a:pPr>
             <a:endParaRPr lang="en-US" dirty="0" smtClean="0">
@@ -15937,11 +15941,6 @@
         </p:txBody>
       </p:sp>
     </p:spTree>
-    <p:extLst>
-      <p:ext uri="{BB962C8B-B14F-4D97-AF65-F5344CB8AC3E}">
-        <p14:creationId xmlns:p14="http://schemas.microsoft.com/office/powerpoint/2010/main" val="3464931652"/>
-      </p:ext>
-    </p:extLst>
   </p:cSld>
   <p:clrMapOvr>
     <a:masterClrMapping/>
@@ -16030,7 +16029,7 @@
           <a:lstStyle/>
           <a:p>
             <a:pPr marL="285750" indent="-285750">
-              <a:buFont typeface="Arial" pitchFamily="34" charset="0"/>
+              <a:buFont typeface="Arial" panose="020B0604020202090204" pitchFamily="34" charset="0"/>
               <a:buChar char="•"/>
             </a:pPr>
             <a:r>
@@ -16039,10 +16038,13 @@
               </a:rPr>
               <a:t>Node.js</a:t>
             </a:r>
+            <a:endParaRPr lang="en-US" dirty="0" smtClean="0">
+              <a:latin typeface="Bahnschrift Light Condensed" pitchFamily="34" charset="0"/>
+            </a:endParaRPr>
           </a:p>
           <a:p>
             <a:pPr marL="285750" indent="-285750">
-              <a:buFont typeface="Arial" pitchFamily="34" charset="0"/>
+              <a:buFont typeface="Arial" panose="020B0604020202090204" pitchFamily="34" charset="0"/>
               <a:buChar char="•"/>
             </a:pPr>
             <a:r>
@@ -16055,19 +16057,7 @@
               <a:rPr lang="en-US" dirty="0" smtClean="0">
                 <a:latin typeface="Bahnschrift Light Condensed" pitchFamily="34" charset="0"/>
               </a:rPr>
-              <a:t> </a:t>
-            </a:r>
-            <a:r>
-              <a:rPr lang="bn-IN" dirty="0" smtClean="0">
-                <a:latin typeface="Bahnschrift Light Condensed" pitchFamily="34" charset="0"/>
-              </a:rPr>
-              <a:t>/</a:t>
-            </a:r>
-            <a:r>
-              <a:rPr lang="en-US" dirty="0" smtClean="0">
-                <a:latin typeface="Bahnschrift Light Condensed" pitchFamily="34" charset="0"/>
-              </a:rPr>
-              <a:t> VS Code </a:t>
+              <a:t> / VS Code </a:t>
             </a:r>
             <a:endParaRPr lang="en-US" dirty="0">
               <a:latin typeface="Bahnschrift Light Condensed" pitchFamily="34" charset="0"/>
@@ -16075,7 +16065,7 @@
           </a:p>
           <a:p>
             <a:pPr marL="285750" indent="-285750">
-              <a:buFont typeface="Arial" pitchFamily="34" charset="0"/>
+              <a:buFont typeface="Arial" panose="020B0604020202090204" pitchFamily="34" charset="0"/>
               <a:buChar char="•"/>
             </a:pPr>
             <a:endParaRPr lang="en-US" dirty="0" smtClean="0">
@@ -16084,7 +16074,7 @@
           </a:p>
           <a:p>
             <a:pPr marL="285750" indent="-285750">
-              <a:buFont typeface="Arial" pitchFamily="34" charset="0"/>
+              <a:buFont typeface="Arial" panose="020B0604020202090204" pitchFamily="34" charset="0"/>
               <a:buChar char="•"/>
             </a:pPr>
             <a:endParaRPr lang="en-US" dirty="0" smtClean="0">
@@ -16094,11 +16084,6 @@
         </p:txBody>
       </p:sp>
     </p:spTree>
-    <p:extLst>
-      <p:ext uri="{BB962C8B-B14F-4D97-AF65-F5344CB8AC3E}">
-        <p14:creationId xmlns:p14="http://schemas.microsoft.com/office/powerpoint/2010/main" val="2134616493"/>
-      </p:ext>
-    </p:extLst>
   </p:cSld>
   <p:clrMapOvr>
     <a:masterClrMapping/>
@@ -16187,7 +16172,7 @@
           <a:lstStyle/>
           <a:p>
             <a:pPr marL="285750" indent="-285750">
-              <a:buFont typeface="Arial" pitchFamily="34" charset="0"/>
+              <a:buFont typeface="Arial" panose="020B0604020202090204" pitchFamily="34" charset="0"/>
               <a:buChar char="•"/>
             </a:pPr>
             <a:r>
@@ -16202,7 +16187,7 @@
           </a:p>
           <a:p>
             <a:pPr marL="285750" indent="-285750">
-              <a:buFont typeface="Arial" pitchFamily="34" charset="0"/>
+              <a:buFont typeface="Arial" panose="020B0604020202090204" pitchFamily="34" charset="0"/>
               <a:buChar char="•"/>
             </a:pPr>
             <a:endParaRPr lang="en-US" dirty="0" smtClean="0">
@@ -16211,7 +16196,7 @@
           </a:p>
           <a:p>
             <a:pPr marL="285750" indent="-285750">
-              <a:buFont typeface="Arial" pitchFamily="34" charset="0"/>
+              <a:buFont typeface="Arial" panose="020B0604020202090204" pitchFamily="34" charset="0"/>
               <a:buChar char="•"/>
             </a:pPr>
             <a:endParaRPr lang="en-US" dirty="0" smtClean="0">
@@ -16221,11 +16206,6 @@
         </p:txBody>
       </p:sp>
     </p:spTree>
-    <p:extLst>
-      <p:ext uri="{BB962C8B-B14F-4D97-AF65-F5344CB8AC3E}">
-        <p14:creationId xmlns:p14="http://schemas.microsoft.com/office/powerpoint/2010/main" val="1682614603"/>
-      </p:ext>
-    </p:extLst>
   </p:cSld>
   <p:clrMapOvr>
     <a:masterClrMapping/>
@@ -16382,10 +16362,13 @@
               </a:rPr>
               <a:t>The syntax is the set of rules which defines the arrangements of symbols. </a:t>
             </a:r>
+            <a:endParaRPr lang="en-US" b="1" dirty="0">
+              <a:latin typeface="Bahnschrift Light Condensed" pitchFamily="34" charset="0"/>
+            </a:endParaRPr>
           </a:p>
           <a:p>
             <a:pPr marL="285750" indent="-285750">
-              <a:buFont typeface="Arial" pitchFamily="34" charset="0"/>
+              <a:buFont typeface="Arial" panose="020B0604020202090204" pitchFamily="34" charset="0"/>
               <a:buChar char="•"/>
             </a:pPr>
             <a:endParaRPr lang="en-US" dirty="0" smtClean="0">
@@ -16403,7 +16386,7 @@
           <p:nvPr/>
         </p:nvPicPr>
         <p:blipFill>
-          <a:blip r:embed="rId2">
+          <a:blip r:embed="rId1">
             <a:extLst>
               <a:ext uri="{28A0092B-C50C-407E-A947-70E740481C1C}">
                 <a14:useLocalDpi xmlns:a14="http://schemas.microsoft.com/office/drawing/2010/main" val="0"/>
@@ -16603,11 +16586,6 @@
         </p:txBody>
       </p:sp>
     </p:spTree>
-    <p:extLst>
-      <p:ext uri="{BB962C8B-B14F-4D97-AF65-F5344CB8AC3E}">
-        <p14:creationId xmlns:p14="http://schemas.microsoft.com/office/powerpoint/2010/main" val="1707623146"/>
-      </p:ext>
-    </p:extLst>
   </p:cSld>
   <p:clrMapOvr>
     <a:masterClrMapping/>
@@ -16667,6 +16645,9 @@
               </a:rPr>
               <a:t>ES6 Syntax </a:t>
             </a:r>
+            <a:endParaRPr lang="en-US" sz="2800" dirty="0">
+              <a:latin typeface="Bahnschrift SemiBold Condensed" pitchFamily="34" charset="0"/>
+            </a:endParaRPr>
           </a:p>
         </p:txBody>
       </p:sp>
@@ -16710,6 +16691,9 @@
               </a:rPr>
               <a:t>different</a:t>
             </a:r>
+            <a:endParaRPr lang="en-US" dirty="0" smtClean="0">
+              <a:latin typeface="Bahnschrift Light Condensed" pitchFamily="34" charset="0"/>
+            </a:endParaRPr>
           </a:p>
           <a:p>
             <a:r>
@@ -16731,11 +16715,6 @@
         </p:txBody>
       </p:sp>
     </p:spTree>
-    <p:extLst>
-      <p:ext uri="{BB962C8B-B14F-4D97-AF65-F5344CB8AC3E}">
-        <p14:creationId xmlns:p14="http://schemas.microsoft.com/office/powerpoint/2010/main" val="474789760"/>
-      </p:ext>
-    </p:extLst>
   </p:cSld>
   <p:clrMapOvr>
     <a:masterClrMapping/>
@@ -17028,7 +17007,10 @@
       </a:bgFillStyleLst>
     </a:fmtScheme>
   </a:themeElements>
-  <a:objectDefaults/>
-  <a:extraClrSchemeLst/>
+  <a:extLst>
+    <a:ext uri="{05A4C25C-085E-4340-85A3-A5531E510DB2}">
+      <thm15:themeFamily xmlns:thm15="http://schemas.microsoft.com/office/thememl/2012/main" name="Office Theme" id="{62F939B6-93AF-4DB8-9C6B-D6C7DFDC589F}" vid="{4A3C46E8-61CC-4603-A589-7422A47A8E4A}"/>
+    </a:ext>
+  </a:extLst>
 </a:theme>
 </file>